--- a/CAPACITACION WEB FV.pptx
+++ b/CAPACITACION WEB FV.pptx
@@ -203,7 +203,7 @@
           <a:p>
             <a:fld id="{22C305BF-3C47-46BF-8FB7-1F322CC9A8C6}" type="datetimeFigureOut">
               <a:rPr lang="es-EC" smtClean="0"/>
-              <a:t>10/10/2018</a:t>
+              <a:t>11/10/2018</a:t>
             </a:fld>
             <a:endParaRPr lang="es-EC"/>
           </a:p>
@@ -690,7 +690,7 @@
           <a:p>
             <a:fld id="{6DDB7E7C-AE19-4CAD-872A-C96A550A8BB1}" type="datetimeFigureOut">
               <a:rPr lang="es-EC" smtClean="0"/>
-              <a:t>10/10/2018</a:t>
+              <a:t>11/10/2018</a:t>
             </a:fld>
             <a:endParaRPr lang="es-EC"/>
           </a:p>
@@ -877,7 +877,7 @@
           <a:p>
             <a:fld id="{6DDB7E7C-AE19-4CAD-872A-C96A550A8BB1}" type="datetimeFigureOut">
               <a:rPr lang="es-EC" smtClean="0"/>
-              <a:t>10/10/2018</a:t>
+              <a:t>11/10/2018</a:t>
             </a:fld>
             <a:endParaRPr lang="es-EC"/>
           </a:p>
@@ -1052,7 +1052,7 @@
           <a:p>
             <a:fld id="{6DDB7E7C-AE19-4CAD-872A-C96A550A8BB1}" type="datetimeFigureOut">
               <a:rPr lang="es-EC" smtClean="0"/>
-              <a:t>10/10/2018</a:t>
+              <a:t>11/10/2018</a:t>
             </a:fld>
             <a:endParaRPr lang="es-EC"/>
           </a:p>
@@ -1232,7 +1232,7 @@
           <a:p>
             <a:fld id="{6DDB7E7C-AE19-4CAD-872A-C96A550A8BB1}" type="datetimeFigureOut">
               <a:rPr lang="es-EC" smtClean="0"/>
-              <a:t>10/10/2018</a:t>
+              <a:t>11/10/2018</a:t>
             </a:fld>
             <a:endParaRPr lang="es-EC"/>
           </a:p>
@@ -1479,7 +1479,7 @@
           <a:p>
             <a:fld id="{6DDB7E7C-AE19-4CAD-872A-C96A550A8BB1}" type="datetimeFigureOut">
               <a:rPr lang="es-EC" smtClean="0"/>
-              <a:t>10/10/2018</a:t>
+              <a:t>11/10/2018</a:t>
             </a:fld>
             <a:endParaRPr lang="es-EC"/>
           </a:p>
@@ -1953,7 +1953,7 @@
           <a:p>
             <a:fld id="{6DDB7E7C-AE19-4CAD-872A-C96A550A8BB1}" type="datetimeFigureOut">
               <a:rPr lang="es-EC" smtClean="0"/>
-              <a:t>10/10/2018</a:t>
+              <a:t>11/10/2018</a:t>
             </a:fld>
             <a:endParaRPr lang="es-EC"/>
           </a:p>
@@ -2368,7 +2368,7 @@
           <a:p>
             <a:fld id="{6DDB7E7C-AE19-4CAD-872A-C96A550A8BB1}" type="datetimeFigureOut">
               <a:rPr lang="es-EC" smtClean="0"/>
-              <a:t>10/10/2018</a:t>
+              <a:t>11/10/2018</a:t>
             </a:fld>
             <a:endParaRPr lang="es-EC"/>
           </a:p>
@@ -2499,7 +2499,7 @@
           <a:p>
             <a:fld id="{6DDB7E7C-AE19-4CAD-872A-C96A550A8BB1}" type="datetimeFigureOut">
               <a:rPr lang="es-EC" smtClean="0"/>
-              <a:t>10/10/2018</a:t>
+              <a:t>11/10/2018</a:t>
             </a:fld>
             <a:endParaRPr lang="es-EC"/>
           </a:p>
@@ -2594,7 +2594,7 @@
           <a:p>
             <a:fld id="{6DDB7E7C-AE19-4CAD-872A-C96A550A8BB1}" type="datetimeFigureOut">
               <a:rPr lang="es-EC" smtClean="0"/>
-              <a:t>10/10/2018</a:t>
+              <a:t>11/10/2018</a:t>
             </a:fld>
             <a:endParaRPr lang="es-EC"/>
           </a:p>
@@ -2872,7 +2872,7 @@
           <a:p>
             <a:fld id="{6DDB7E7C-AE19-4CAD-872A-C96A550A8BB1}" type="datetimeFigureOut">
               <a:rPr lang="es-EC" smtClean="0"/>
-              <a:t>10/10/2018</a:t>
+              <a:t>11/10/2018</a:t>
             </a:fld>
             <a:endParaRPr lang="es-EC"/>
           </a:p>
@@ -3124,7 +3124,7 @@
           <a:p>
             <a:fld id="{6DDB7E7C-AE19-4CAD-872A-C96A550A8BB1}" type="datetimeFigureOut">
               <a:rPr lang="es-EC" smtClean="0"/>
-              <a:t>10/10/2018</a:t>
+              <a:t>11/10/2018</a:t>
             </a:fld>
             <a:endParaRPr lang="es-EC"/>
           </a:p>
@@ -3496,7 +3496,7 @@
           <a:p>
             <a:fld id="{6DDB7E7C-AE19-4CAD-872A-C96A550A8BB1}" type="datetimeFigureOut">
               <a:rPr lang="es-EC" smtClean="0"/>
-              <a:t>10/10/2018</a:t>
+              <a:t>11/10/2018</a:t>
             </a:fld>
             <a:endParaRPr lang="es-EC"/>
           </a:p>
@@ -4911,23 +4911,18 @@
           <a:p>
             <a:pPr lvl="1"/>
             <a:r>
-              <a:rPr lang="es-EC" b="1" dirty="0" smtClean="0"/>
-              <a:t>PROGRAMACIÓN </a:t>
-            </a:r>
-            <a:r>
-              <a:rPr lang="es-EC" b="1" dirty="0"/>
-              <a:t>BÁSICA </a:t>
-            </a:r>
-            <a:r>
-              <a:rPr lang="es-EC" b="1" dirty="0" smtClean="0"/>
-              <a:t>WEB</a:t>
-            </a:r>
-          </a:p>
-          <a:p>
-            <a:pPr lvl="1"/>
-            <a:r>
               <a:rPr lang="es-EC" b="1" dirty="0" smtClean="0">
                 <a:hlinkClick r:id="rId3" action="ppaction://hlinksldjump"/>
+              </a:rPr>
+              <a:t>FUNDAMENTOS DESARROLLO WEB</a:t>
+            </a:r>
+            <a:endParaRPr lang="es-EC" b="1" dirty="0" smtClean="0"/>
+          </a:p>
+          <a:p>
+            <a:pPr lvl="1"/>
+            <a:r>
+              <a:rPr lang="es-EC" b="1" dirty="0" smtClean="0">
+                <a:hlinkClick r:id="rId4" action="ppaction://hlinksldjump"/>
               </a:rPr>
               <a:t>GIT</a:t>
             </a:r>
@@ -5893,6 +5888,33 @@
               <a:rPr lang="es-EC" dirty="0" smtClean="0"/>
               <a:t>CSS</a:t>
             </a:r>
+          </a:p>
+          <a:p>
+            <a:pPr lvl="1"/>
+            <a:r>
+              <a:rPr lang="es-EC" dirty="0" err="1" smtClean="0"/>
+              <a:t>Inline</a:t>
+            </a:r>
+            <a:endParaRPr lang="es-EC" dirty="0" smtClean="0"/>
+          </a:p>
+          <a:p>
+            <a:pPr lvl="1"/>
+            <a:r>
+              <a:rPr lang="es-EC" dirty="0" err="1" smtClean="0"/>
+              <a:t>Indocument</a:t>
+            </a:r>
+            <a:endParaRPr lang="es-EC" dirty="0" smtClean="0"/>
+          </a:p>
+          <a:p>
+            <a:pPr lvl="1"/>
+            <a:r>
+              <a:rPr lang="es-EC" dirty="0" smtClean="0"/>
+              <a:t>.</a:t>
+            </a:r>
+            <a:r>
+              <a:rPr lang="es-EC" dirty="0" err="1" smtClean="0"/>
+              <a:t>css</a:t>
+            </a:r>
             <a:endParaRPr lang="es-EC" dirty="0"/>
           </a:p>
           <a:p>
@@ -5900,10 +5922,70 @@
               <a:rPr lang="es-EC" dirty="0" smtClean="0"/>
               <a:t>JAVASCRIP JS</a:t>
             </a:r>
+          </a:p>
+          <a:p>
+            <a:pPr lvl="1"/>
+            <a:r>
+              <a:rPr lang="es-EC" dirty="0" err="1" smtClean="0"/>
+              <a:t>Inline</a:t>
+            </a:r>
+            <a:endParaRPr lang="es-EC" dirty="0" smtClean="0"/>
+          </a:p>
+          <a:p>
+            <a:pPr lvl="1"/>
+            <a:r>
+              <a:rPr lang="es-EC" dirty="0" smtClean="0"/>
+              <a:t>.</a:t>
+            </a:r>
+            <a:r>
+              <a:rPr lang="es-EC" dirty="0" err="1" smtClean="0"/>
+              <a:t>js</a:t>
+            </a:r>
             <a:endParaRPr lang="es-EC" dirty="0"/>
           </a:p>
         </p:txBody>
       </p:sp>
+      <p:pic>
+        <p:nvPicPr>
+          <p:cNvPr id="1026" name="Picture 2" descr="C:\xampp\htdocs\capacitacionwebfv\claseswebfv\ejemplo2-html\resumenHTML-CS-JS.jpg"/>
+          <p:cNvPicPr>
+            <a:picLocks noChangeAspect="1" noChangeArrowheads="1"/>
+          </p:cNvPicPr>
+          <p:nvPr/>
+        </p:nvPicPr>
+        <p:blipFill>
+          <a:blip r:embed="rId2">
+            <a:extLst>
+              <a:ext uri="{28A0092B-C50C-407E-A947-70E740481C1C}">
+                <a14:useLocalDpi xmlns:a14="http://schemas.microsoft.com/office/drawing/2010/main" val="0"/>
+              </a:ext>
+            </a:extLst>
+          </a:blip>
+          <a:srcRect/>
+          <a:stretch>
+            <a:fillRect/>
+          </a:stretch>
+        </p:blipFill>
+        <p:spPr bwMode="auto">
+          <a:xfrm>
+            <a:off x="3995936" y="2276872"/>
+            <a:ext cx="4968726" cy="3816424"/>
+          </a:xfrm>
+          <a:prstGeom prst="rect">
+            <a:avLst/>
+          </a:prstGeom>
+          <a:noFill/>
+          <a:extLst>
+            <a:ext uri="{909E8E84-426E-40DD-AFC4-6F175D3DCCD1}">
+              <a14:hiddenFill xmlns:a14="http://schemas.microsoft.com/office/drawing/2010/main">
+                <a:solidFill>
+                  <a:srgbClr val="FFFFFF"/>
+                </a:solidFill>
+              </a14:hiddenFill>
+            </a:ext>
+          </a:extLst>
+        </p:spPr>
+      </p:pic>
     </p:spTree>
     <p:extLst>
       <p:ext uri="{BB962C8B-B14F-4D97-AF65-F5344CB8AC3E}">
@@ -5989,6 +6071,164 @@
           </a:p>
         </p:txBody>
       </p:sp>
+      <p:pic>
+        <p:nvPicPr>
+          <p:cNvPr id="4" name="Picture 13"/>
+          <p:cNvPicPr>
+            <a:picLocks noChangeAspect="1" noChangeArrowheads="1"/>
+          </p:cNvPicPr>
+          <p:nvPr/>
+        </p:nvPicPr>
+        <p:blipFill>
+          <a:blip r:embed="rId3" cstate="print">
+            <a:extLst>
+              <a:ext uri="{28A0092B-C50C-407E-A947-70E740481C1C}">
+                <a14:useLocalDpi xmlns:a14="http://schemas.microsoft.com/office/drawing/2010/main" val="0"/>
+              </a:ext>
+            </a:extLst>
+          </a:blip>
+          <a:srcRect/>
+          <a:stretch>
+            <a:fillRect/>
+          </a:stretch>
+        </p:blipFill>
+        <p:spPr bwMode="auto">
+          <a:xfrm>
+            <a:off x="755576" y="2978656"/>
+            <a:ext cx="3486297" cy="3096344"/>
+          </a:xfrm>
+          <a:prstGeom prst="rect">
+            <a:avLst/>
+          </a:prstGeom>
+          <a:noFill/>
+          <a:ln>
+            <a:noFill/>
+          </a:ln>
+          <a:effectLst/>
+          <a:extLst>
+            <a:ext uri="{909E8E84-426E-40DD-AFC4-6F175D3DCCD1}">
+              <a14:hiddenFill xmlns:a14="http://schemas.microsoft.com/office/drawing/2010/main">
+                <a:solidFill>
+                  <a:schemeClr val="accent1"/>
+                </a:solidFill>
+              </a14:hiddenFill>
+            </a:ext>
+            <a:ext uri="{91240B29-F687-4F45-9708-019B960494DF}">
+              <a14:hiddenLine xmlns:a14="http://schemas.microsoft.com/office/drawing/2010/main" w="9525">
+                <a:solidFill>
+                  <a:schemeClr val="tx1"/>
+                </a:solidFill>
+                <a:miter lim="800000"/>
+                <a:headEnd/>
+                <a:tailEnd/>
+              </a14:hiddenLine>
+            </a:ext>
+            <a:ext uri="{AF507438-7753-43E0-B8FC-AC1667EBCBE1}">
+              <a14:hiddenEffects xmlns:a14="http://schemas.microsoft.com/office/drawing/2010/main">
+                <a:effectLst>
+                  <a:outerShdw dist="35921" dir="2700000" algn="ctr" rotWithShape="0">
+                    <a:schemeClr val="bg2"/>
+                  </a:outerShdw>
+                </a:effectLst>
+              </a14:hiddenEffects>
+            </a:ext>
+          </a:extLst>
+        </p:spPr>
+      </p:pic>
+      <p:pic>
+        <p:nvPicPr>
+          <p:cNvPr id="4098" name="Picture 2"/>
+          <p:cNvPicPr>
+            <a:picLocks noChangeAspect="1" noChangeArrowheads="1"/>
+          </p:cNvPicPr>
+          <p:nvPr/>
+        </p:nvPicPr>
+        <p:blipFill>
+          <a:blip r:embed="rId4">
+            <a:extLst>
+              <a:ext uri="{28A0092B-C50C-407E-A947-70E740481C1C}">
+                <a14:useLocalDpi xmlns:a14="http://schemas.microsoft.com/office/drawing/2010/main" val="0"/>
+              </a:ext>
+            </a:extLst>
+          </a:blip>
+          <a:srcRect/>
+          <a:stretch>
+            <a:fillRect/>
+          </a:stretch>
+        </p:blipFill>
+        <p:spPr bwMode="auto">
+          <a:xfrm>
+            <a:off x="4499992" y="2708920"/>
+            <a:ext cx="4355044" cy="3456384"/>
+          </a:xfrm>
+          <a:prstGeom prst="rect">
+            <a:avLst/>
+          </a:prstGeom>
+          <a:noFill/>
+          <a:ln>
+            <a:noFill/>
+          </a:ln>
+          <a:effectLst/>
+          <a:extLst>
+            <a:ext uri="{909E8E84-426E-40DD-AFC4-6F175D3DCCD1}">
+              <a14:hiddenFill xmlns:a14="http://schemas.microsoft.com/office/drawing/2010/main">
+                <a:solidFill>
+                  <a:schemeClr val="accent1"/>
+                </a:solidFill>
+              </a14:hiddenFill>
+            </a:ext>
+            <a:ext uri="{91240B29-F687-4F45-9708-019B960494DF}">
+              <a14:hiddenLine xmlns:a14="http://schemas.microsoft.com/office/drawing/2010/main" w="9525">
+                <a:solidFill>
+                  <a:schemeClr val="tx1"/>
+                </a:solidFill>
+                <a:miter lim="800000"/>
+                <a:headEnd/>
+                <a:tailEnd/>
+              </a14:hiddenLine>
+            </a:ext>
+            <a:ext uri="{AF507438-7753-43E0-B8FC-AC1667EBCBE1}">
+              <a14:hiddenEffects xmlns:a14="http://schemas.microsoft.com/office/drawing/2010/main">
+                <a:effectLst>
+                  <a:outerShdw dist="35921" dir="2700000" algn="ctr" rotWithShape="0">
+                    <a:schemeClr val="bg2"/>
+                  </a:outerShdw>
+                </a:effectLst>
+              </a14:hiddenEffects>
+            </a:ext>
+          </a:extLst>
+        </p:spPr>
+      </p:pic>
+      <p:sp>
+        <p:nvSpPr>
+          <p:cNvPr id="5" name="4 CuadroTexto"/>
+          <p:cNvSpPr txBox="1"/>
+          <p:nvPr/>
+        </p:nvSpPr>
+        <p:spPr>
+          <a:xfrm>
+            <a:off x="2947953" y="6165304"/>
+            <a:ext cx="3254417" cy="646331"/>
+          </a:xfrm>
+          <a:prstGeom prst="rect">
+            <a:avLst/>
+          </a:prstGeom>
+          <a:noFill/>
+        </p:spPr>
+        <p:txBody>
+          <a:bodyPr wrap="none" rtlCol="0">
+            <a:spAutoFit/>
+          </a:bodyPr>
+          <a:lstStyle/>
+          <a:p>
+            <a:r>
+              <a:rPr lang="es-EC" sz="3600" dirty="0" smtClean="0"/>
+              <a:t>EJEMPLO1 Y 2</a:t>
+            </a:r>
+            <a:endParaRPr lang="es-EC" sz="3600" dirty="0"/>
+          </a:p>
+        </p:txBody>
+      </p:sp>
     </p:spTree>
     <p:extLst>
       <p:ext uri="{BB962C8B-B14F-4D97-AF65-F5344CB8AC3E}">
@@ -6074,6 +6314,203 @@
           </a:p>
         </p:txBody>
       </p:sp>
+      <p:sp>
+        <p:nvSpPr>
+          <p:cNvPr id="4" name="AutoShape 2" descr="Resultado de imagen para css"/>
+          <p:cNvSpPr>
+            <a:spLocks noChangeAspect="1" noChangeArrowheads="1"/>
+          </p:cNvSpPr>
+          <p:nvPr/>
+        </p:nvSpPr>
+        <p:spPr bwMode="auto">
+          <a:xfrm>
+            <a:off x="155575" y="-144463"/>
+            <a:ext cx="304800" cy="304801"/>
+          </a:xfrm>
+          <a:prstGeom prst="rect">
+            <a:avLst/>
+          </a:prstGeom>
+          <a:noFill/>
+          <a:extLst>
+            <a:ext uri="{909E8E84-426E-40DD-AFC4-6F175D3DCCD1}">
+              <a14:hiddenFill xmlns:a14="http://schemas.microsoft.com/office/drawing/2010/main">
+                <a:solidFill>
+                  <a:srgbClr val="FFFFFF"/>
+                </a:solidFill>
+              </a14:hiddenFill>
+            </a:ext>
+          </a:extLst>
+        </p:spPr>
+        <p:txBody>
+          <a:bodyPr vert="horz" wrap="square" lIns="91440" tIns="45720" rIns="91440" bIns="45720" numCol="1" anchor="t" anchorCtr="0" compatLnSpc="1">
+            <a:prstTxWarp prst="textNoShape">
+              <a:avLst/>
+            </a:prstTxWarp>
+          </a:bodyPr>
+          <a:lstStyle/>
+          <a:p>
+            <a:endParaRPr lang="es-EC"/>
+          </a:p>
+        </p:txBody>
+      </p:sp>
+      <p:pic>
+        <p:nvPicPr>
+          <p:cNvPr id="3075" name="Picture 3"/>
+          <p:cNvPicPr>
+            <a:picLocks noChangeAspect="1" noChangeArrowheads="1"/>
+          </p:cNvPicPr>
+          <p:nvPr/>
+        </p:nvPicPr>
+        <p:blipFill>
+          <a:blip r:embed="rId3">
+            <a:extLst>
+              <a:ext uri="{28A0092B-C50C-407E-A947-70E740481C1C}">
+                <a14:useLocalDpi xmlns:a14="http://schemas.microsoft.com/office/drawing/2010/main" val="0"/>
+              </a:ext>
+            </a:extLst>
+          </a:blip>
+          <a:srcRect/>
+          <a:stretch>
+            <a:fillRect/>
+          </a:stretch>
+        </p:blipFill>
+        <p:spPr bwMode="auto">
+          <a:xfrm>
+            <a:off x="307975" y="3088845"/>
+            <a:ext cx="4114743" cy="2745849"/>
+          </a:xfrm>
+          <a:prstGeom prst="rect">
+            <a:avLst/>
+          </a:prstGeom>
+          <a:noFill/>
+          <a:ln>
+            <a:noFill/>
+          </a:ln>
+          <a:effectLst/>
+          <a:extLst>
+            <a:ext uri="{909E8E84-426E-40DD-AFC4-6F175D3DCCD1}">
+              <a14:hiddenFill xmlns:a14="http://schemas.microsoft.com/office/drawing/2010/main">
+                <a:solidFill>
+                  <a:schemeClr val="accent1"/>
+                </a:solidFill>
+              </a14:hiddenFill>
+            </a:ext>
+            <a:ext uri="{91240B29-F687-4F45-9708-019B960494DF}">
+              <a14:hiddenLine xmlns:a14="http://schemas.microsoft.com/office/drawing/2010/main" w="9525">
+                <a:solidFill>
+                  <a:schemeClr val="tx1"/>
+                </a:solidFill>
+                <a:miter lim="800000"/>
+                <a:headEnd/>
+                <a:tailEnd/>
+              </a14:hiddenLine>
+            </a:ext>
+            <a:ext uri="{AF507438-7753-43E0-B8FC-AC1667EBCBE1}">
+              <a14:hiddenEffects xmlns:a14="http://schemas.microsoft.com/office/drawing/2010/main">
+                <a:effectLst>
+                  <a:outerShdw dist="35921" dir="2700000" algn="ctr" rotWithShape="0">
+                    <a:schemeClr val="bg2"/>
+                  </a:outerShdw>
+                </a:effectLst>
+              </a14:hiddenEffects>
+            </a:ext>
+          </a:extLst>
+        </p:spPr>
+      </p:pic>
+      <p:pic>
+        <p:nvPicPr>
+          <p:cNvPr id="3076" name="Picture 4"/>
+          <p:cNvPicPr>
+            <a:picLocks noChangeAspect="1" noChangeArrowheads="1"/>
+          </p:cNvPicPr>
+          <p:nvPr/>
+        </p:nvPicPr>
+        <p:blipFill>
+          <a:blip r:embed="rId4">
+            <a:extLst>
+              <a:ext uri="{28A0092B-C50C-407E-A947-70E740481C1C}">
+                <a14:useLocalDpi xmlns:a14="http://schemas.microsoft.com/office/drawing/2010/main" val="0"/>
+              </a:ext>
+            </a:extLst>
+          </a:blip>
+          <a:srcRect/>
+          <a:stretch>
+            <a:fillRect/>
+          </a:stretch>
+        </p:blipFill>
+        <p:spPr bwMode="auto">
+          <a:xfrm>
+            <a:off x="4067944" y="3047180"/>
+            <a:ext cx="4936224" cy="2787515"/>
+          </a:xfrm>
+          <a:prstGeom prst="rect">
+            <a:avLst/>
+          </a:prstGeom>
+          <a:noFill/>
+          <a:ln>
+            <a:noFill/>
+          </a:ln>
+          <a:effectLst/>
+          <a:extLst>
+            <a:ext uri="{909E8E84-426E-40DD-AFC4-6F175D3DCCD1}">
+              <a14:hiddenFill xmlns:a14="http://schemas.microsoft.com/office/drawing/2010/main">
+                <a:solidFill>
+                  <a:schemeClr val="accent1"/>
+                </a:solidFill>
+              </a14:hiddenFill>
+            </a:ext>
+            <a:ext uri="{91240B29-F687-4F45-9708-019B960494DF}">
+              <a14:hiddenLine xmlns:a14="http://schemas.microsoft.com/office/drawing/2010/main" w="9525">
+                <a:solidFill>
+                  <a:schemeClr val="tx1"/>
+                </a:solidFill>
+                <a:miter lim="800000"/>
+                <a:headEnd/>
+                <a:tailEnd/>
+              </a14:hiddenLine>
+            </a:ext>
+            <a:ext uri="{AF507438-7753-43E0-B8FC-AC1667EBCBE1}">
+              <a14:hiddenEffects xmlns:a14="http://schemas.microsoft.com/office/drawing/2010/main">
+                <a:effectLst>
+                  <a:outerShdw dist="35921" dir="2700000" algn="ctr" rotWithShape="0">
+                    <a:schemeClr val="bg2"/>
+                  </a:outerShdw>
+                </a:effectLst>
+              </a14:hiddenEffects>
+            </a:ext>
+          </a:extLst>
+        </p:spPr>
+      </p:pic>
+      <p:sp>
+        <p:nvSpPr>
+          <p:cNvPr id="7" name="6 CuadroTexto"/>
+          <p:cNvSpPr txBox="1"/>
+          <p:nvPr/>
+        </p:nvSpPr>
+        <p:spPr>
+          <a:xfrm>
+            <a:off x="2699792" y="6021288"/>
+            <a:ext cx="4804520" cy="646331"/>
+          </a:xfrm>
+          <a:prstGeom prst="rect">
+            <a:avLst/>
+          </a:prstGeom>
+          <a:noFill/>
+        </p:spPr>
+        <p:txBody>
+          <a:bodyPr wrap="none" rtlCol="0">
+            <a:spAutoFit/>
+          </a:bodyPr>
+          <a:lstStyle/>
+          <a:p>
+            <a:r>
+              <a:rPr lang="es-EC" sz="3600" dirty="0" smtClean="0"/>
+              <a:t>EJEMPLO 2 CON CSS</a:t>
+            </a:r>
+            <a:endParaRPr lang="es-EC" sz="3600" dirty="0"/>
+          </a:p>
+        </p:txBody>
+      </p:sp>
     </p:spTree>
     <p:extLst>
       <p:ext uri="{BB962C8B-B14F-4D97-AF65-F5344CB8AC3E}">
@@ -6156,6 +6593,288 @@
               <a:t>https://www.w3schools.com/js/default.asp</a:t>
             </a:r>
             <a:endParaRPr lang="es-EC" dirty="0"/>
+          </a:p>
+        </p:txBody>
+      </p:sp>
+      <p:pic>
+        <p:nvPicPr>
+          <p:cNvPr id="4" name="Picture 16"/>
+          <p:cNvPicPr>
+            <a:picLocks noChangeAspect="1" noChangeArrowheads="1"/>
+          </p:cNvPicPr>
+          <p:nvPr/>
+        </p:nvPicPr>
+        <p:blipFill>
+          <a:blip r:embed="rId3" cstate="print">
+            <a:extLst>
+              <a:ext uri="{28A0092B-C50C-407E-A947-70E740481C1C}">
+                <a14:useLocalDpi xmlns:a14="http://schemas.microsoft.com/office/drawing/2010/main" val="0"/>
+              </a:ext>
+            </a:extLst>
+          </a:blip>
+          <a:srcRect/>
+          <a:stretch>
+            <a:fillRect/>
+          </a:stretch>
+        </p:blipFill>
+        <p:spPr bwMode="auto">
+          <a:xfrm>
+            <a:off x="3635896" y="2492896"/>
+            <a:ext cx="1872208" cy="1872208"/>
+          </a:xfrm>
+          <a:prstGeom prst="rect">
+            <a:avLst/>
+          </a:prstGeom>
+          <a:noFill/>
+          <a:ln>
+            <a:noFill/>
+          </a:ln>
+          <a:effectLst/>
+          <a:extLst>
+            <a:ext uri="{909E8E84-426E-40DD-AFC4-6F175D3DCCD1}">
+              <a14:hiddenFill xmlns:a14="http://schemas.microsoft.com/office/drawing/2010/main">
+                <a:solidFill>
+                  <a:schemeClr val="accent1"/>
+                </a:solidFill>
+              </a14:hiddenFill>
+            </a:ext>
+            <a:ext uri="{91240B29-F687-4F45-9708-019B960494DF}">
+              <a14:hiddenLine xmlns:a14="http://schemas.microsoft.com/office/drawing/2010/main" w="9525">
+                <a:solidFill>
+                  <a:schemeClr val="tx1"/>
+                </a:solidFill>
+                <a:miter lim="800000"/>
+                <a:headEnd/>
+                <a:tailEnd/>
+              </a14:hiddenLine>
+            </a:ext>
+            <a:ext uri="{AF507438-7753-43E0-B8FC-AC1667EBCBE1}">
+              <a14:hiddenEffects xmlns:a14="http://schemas.microsoft.com/office/drawing/2010/main">
+                <a:effectLst>
+                  <a:outerShdw dist="35921" dir="2700000" algn="ctr" rotWithShape="0">
+                    <a:schemeClr val="bg2"/>
+                  </a:outerShdw>
+                </a:effectLst>
+              </a14:hiddenEffects>
+            </a:ext>
+          </a:extLst>
+        </p:spPr>
+      </p:pic>
+      <p:sp>
+        <p:nvSpPr>
+          <p:cNvPr id="5" name="4 CuadroTexto"/>
+          <p:cNvSpPr txBox="1"/>
+          <p:nvPr/>
+        </p:nvSpPr>
+        <p:spPr>
+          <a:xfrm>
+            <a:off x="702034" y="4365104"/>
+            <a:ext cx="8208912" cy="3108543"/>
+          </a:xfrm>
+          <a:prstGeom prst="rect">
+            <a:avLst/>
+          </a:prstGeom>
+          <a:noFill/>
+        </p:spPr>
+        <p:txBody>
+          <a:bodyPr wrap="square" rtlCol="0">
+            <a:spAutoFit/>
+          </a:bodyPr>
+          <a:lstStyle/>
+          <a:p>
+            <a:r>
+              <a:rPr lang="es-EC" sz="2800" b="1" dirty="0" err="1"/>
+              <a:t>ECMAScript</a:t>
+            </a:r>
+            <a:r>
+              <a:rPr lang="es-EC" sz="2800" b="1" dirty="0"/>
+              <a:t> </a:t>
+            </a:r>
+            <a:r>
+              <a:rPr lang="es-EC" sz="2800" b="1" dirty="0" smtClean="0"/>
+              <a:t>5 </a:t>
+            </a:r>
+            <a:r>
+              <a:rPr lang="es-EC" sz="2800" b="1" dirty="0"/>
+              <a:t>(</a:t>
+            </a:r>
+            <a:r>
+              <a:rPr lang="es-EC" sz="2800" b="1" dirty="0" smtClean="0"/>
+              <a:t>ES5)</a:t>
+            </a:r>
+          </a:p>
+          <a:p>
+            <a:r>
+              <a:rPr lang="pt-BR" sz="2800" dirty="0"/>
+              <a:t>// ES5 var </a:t>
+            </a:r>
+            <a:r>
+              <a:rPr lang="pt-BR" sz="2800" dirty="0" err="1"/>
+              <a:t>miFuncion</a:t>
+            </a:r>
+            <a:r>
+              <a:rPr lang="pt-BR" sz="2800" dirty="0"/>
+              <a:t> = </a:t>
+            </a:r>
+            <a:r>
+              <a:rPr lang="pt-BR" sz="2800" dirty="0" err="1"/>
+              <a:t>function</a:t>
+            </a:r>
+            <a:r>
+              <a:rPr lang="pt-BR" sz="2800" dirty="0"/>
+              <a:t>(num) { </a:t>
+            </a:r>
+            <a:r>
+              <a:rPr lang="pt-BR" sz="2800" dirty="0" err="1"/>
+              <a:t>return</a:t>
+            </a:r>
+            <a:r>
+              <a:rPr lang="pt-BR" sz="2800" dirty="0"/>
+              <a:t> num + num; } </a:t>
+            </a:r>
+            <a:endParaRPr lang="pt-BR" sz="2800" dirty="0" smtClean="0"/>
+          </a:p>
+          <a:p>
+            <a:r>
+              <a:rPr lang="es-EC" sz="2800" b="1" dirty="0" err="1" smtClean="0"/>
+              <a:t>ECMAScript</a:t>
+            </a:r>
+            <a:r>
+              <a:rPr lang="es-EC" sz="2800" b="1" dirty="0" smtClean="0"/>
+              <a:t> </a:t>
+            </a:r>
+            <a:r>
+              <a:rPr lang="es-EC" sz="2800" b="1" dirty="0"/>
+              <a:t>6 (</a:t>
+            </a:r>
+            <a:r>
+              <a:rPr lang="es-EC" sz="2800" b="1" dirty="0" smtClean="0"/>
+              <a:t>ES6</a:t>
+            </a:r>
+          </a:p>
+          <a:p>
+            <a:r>
+              <a:rPr lang="pt-BR" sz="2800" dirty="0"/>
+              <a:t>// ES6 var </a:t>
+            </a:r>
+            <a:r>
+              <a:rPr lang="pt-BR" sz="2800" dirty="0" err="1"/>
+              <a:t>miFuncion</a:t>
+            </a:r>
+            <a:r>
+              <a:rPr lang="pt-BR" sz="2800" dirty="0"/>
+              <a:t> = (num) =&gt; num + num; </a:t>
+            </a:r>
+            <a:endParaRPr lang="es-EC" sz="2800" b="1" dirty="0"/>
+          </a:p>
+          <a:p>
+            <a:endParaRPr lang="es-EC" sz="2800" b="1" dirty="0"/>
+          </a:p>
+          <a:p>
+            <a:endParaRPr lang="es-EC" sz="2800" dirty="0"/>
+          </a:p>
+        </p:txBody>
+      </p:sp>
+      <p:sp>
+        <p:nvSpPr>
+          <p:cNvPr id="6" name="Rectangle 1"/>
+          <p:cNvSpPr>
+            <a:spLocks noChangeArrowheads="1"/>
+          </p:cNvSpPr>
+          <p:nvPr/>
+        </p:nvSpPr>
+        <p:spPr bwMode="auto">
+          <a:xfrm>
+            <a:off x="0" y="0"/>
+            <a:ext cx="9144000" cy="457200"/>
+          </a:xfrm>
+          <a:prstGeom prst="rect">
+            <a:avLst/>
+          </a:prstGeom>
+          <a:noFill/>
+          <a:ln>
+            <a:noFill/>
+          </a:ln>
+          <a:effectLst/>
+          <a:extLst>
+            <a:ext uri="{909E8E84-426E-40DD-AFC4-6F175D3DCCD1}">
+              <a14:hiddenFill xmlns:a14="http://schemas.microsoft.com/office/drawing/2010/main">
+                <a:solidFill>
+                  <a:schemeClr val="accent1"/>
+                </a:solidFill>
+              </a14:hiddenFill>
+            </a:ext>
+            <a:ext uri="{91240B29-F687-4F45-9708-019B960494DF}">
+              <a14:hiddenLine xmlns:a14="http://schemas.microsoft.com/office/drawing/2010/main" w="9525">
+                <a:solidFill>
+                  <a:schemeClr val="tx1"/>
+                </a:solidFill>
+                <a:miter lim="800000"/>
+                <a:headEnd/>
+                <a:tailEnd/>
+              </a14:hiddenLine>
+            </a:ext>
+            <a:ext uri="{AF507438-7753-43E0-B8FC-AC1667EBCBE1}">
+              <a14:hiddenEffects xmlns:a14="http://schemas.microsoft.com/office/drawing/2010/main">
+                <a:effectLst>
+                  <a:outerShdw dist="35921" dir="2700000" algn="ctr" rotWithShape="0">
+                    <a:schemeClr val="bg2"/>
+                  </a:outerShdw>
+                </a:effectLst>
+              </a14:hiddenEffects>
+            </a:ext>
+          </a:extLst>
+        </p:spPr>
+        <p:txBody>
+          <a:bodyPr vert="horz" wrap="none" lIns="91440" tIns="45720" rIns="91440" bIns="45720" numCol="1" anchor="ctr" anchorCtr="0" compatLnSpc="1">
+            <a:prstTxWarp prst="textNoShape">
+              <a:avLst/>
+            </a:prstTxWarp>
+            <a:spAutoFit/>
+          </a:bodyPr>
+          <a:lstStyle/>
+          <a:p>
+            <a:pPr marL="0" marR="0" lvl="0" indent="0" algn="l" defTabSz="914400" rtl="0" eaLnBrk="1" fontAlgn="base" latinLnBrk="0" hangingPunct="1">
+              <a:lnSpc>
+                <a:spcPct val="100000"/>
+              </a:lnSpc>
+              <a:spcBef>
+                <a:spcPct val="0"/>
+              </a:spcBef>
+              <a:spcAft>
+                <a:spcPct val="0"/>
+              </a:spcAft>
+              <a:buClrTx/>
+              <a:buSzTx/>
+              <a:buFontTx/>
+              <a:buNone/>
+              <a:tabLst/>
+            </a:pPr>
+            <a:r>
+              <a:rPr kumimoji="0" lang="es-EC" sz="1000" b="0" i="0" u="none" strike="noStrike" cap="none" normalizeH="0" baseline="0" smtClean="0">
+                <a:ln>
+                  <a:noFill/>
+                </a:ln>
+                <a:solidFill>
+                  <a:schemeClr val="tx1"/>
+                </a:solidFill>
+                <a:effectLst/>
+                <a:latin typeface="Arial Unicode MS" pitchFamily="34" charset="-128"/>
+                <a:cs typeface="Arial" pitchFamily="34" charset="0"/>
+              </a:rPr>
+              <a:t>// ES5 var miFuncion = function(num) { return num + num; } // ES6 var miFuncion = (num) =&gt; num + num; </a:t>
+            </a:r>
+            <a:endParaRPr kumimoji="0" lang="es-EC" sz="1800" b="0" i="0" u="none" strike="noStrike" cap="none" normalizeH="0" baseline="0" smtClean="0">
+              <a:ln>
+                <a:noFill/>
+              </a:ln>
+              <a:solidFill>
+                <a:schemeClr val="tx1"/>
+              </a:solidFill>
+              <a:effectLst/>
+              <a:latin typeface="Arial" pitchFamily="34" charset="0"/>
+              <a:cs typeface="Arial" pitchFamily="34" charset="0"/>
+            </a:endParaRPr>
           </a:p>
         </p:txBody>
       </p:sp>

--- a/CAPACITACION WEB FV.pptx
+++ b/CAPACITACION WEB FV.pptx
@@ -5,7 +5,7 @@
     <p:sldMasterId id="2147483852" r:id="rId1"/>
   </p:sldMasterIdLst>
   <p:notesMasterIdLst>
-    <p:notesMasterId r:id="rId14"/>
+    <p:notesMasterId r:id="rId15"/>
   </p:notesMasterIdLst>
   <p:sldIdLst>
     <p:sldId id="256" r:id="rId2"/>
@@ -15,11 +15,12 @@
     <p:sldId id="265" r:id="rId6"/>
     <p:sldId id="266" r:id="rId7"/>
     <p:sldId id="267" r:id="rId8"/>
-    <p:sldId id="259" r:id="rId9"/>
-    <p:sldId id="260" r:id="rId10"/>
-    <p:sldId id="261" r:id="rId11"/>
-    <p:sldId id="262" r:id="rId12"/>
-    <p:sldId id="263" r:id="rId13"/>
+    <p:sldId id="268" r:id="rId9"/>
+    <p:sldId id="259" r:id="rId10"/>
+    <p:sldId id="260" r:id="rId11"/>
+    <p:sldId id="261" r:id="rId12"/>
+    <p:sldId id="262" r:id="rId13"/>
+    <p:sldId id="263" r:id="rId14"/>
   </p:sldIdLst>
   <p:sldSz cx="9144000" cy="6858000" type="screen4x3"/>
   <p:notesSz cx="6858000" cy="9144000"/>
@@ -118,6 +119,22 @@
       </a:defRPr>
     </a:lvl9pPr>
   </p:defaultTextStyle>
+  <p:extLst>
+    <p:ext uri="{EFAFB233-063F-42B5-8137-9DF3F51BA10A}">
+      <p15:sldGuideLst xmlns:p15="http://schemas.microsoft.com/office/powerpoint/2012/main">
+        <p15:guide id="1" orient="horz" pos="2160">
+          <p15:clr>
+            <a:srgbClr val="A4A3A4"/>
+          </p15:clr>
+        </p15:guide>
+        <p15:guide id="2" pos="2880">
+          <p15:clr>
+            <a:srgbClr val="A4A3A4"/>
+          </p15:clr>
+        </p15:guide>
+      </p15:sldGuideLst>
+    </p:ext>
+  </p:extLst>
 </p:presentation>
 </file>
 
@@ -203,7 +220,7 @@
           <a:p>
             <a:fld id="{22C305BF-3C47-46BF-8FB7-1F322CC9A8C6}" type="datetimeFigureOut">
               <a:rPr lang="es-EC" smtClean="0"/>
-              <a:t>11/10/2018</a:t>
+              <a:t>14/10/2018</a:t>
             </a:fld>
             <a:endParaRPr lang="es-EC"/>
           </a:p>
@@ -267,35 +284,35 @@
           <a:p>
             <a:pPr lvl="0"/>
             <a:r>
-              <a:rPr lang="es-ES" smtClean="0"/>
+              <a:rPr lang="es-ES"/>
               <a:t>Haga clic para modificar el estilo de texto del patrón</a:t>
             </a:r>
           </a:p>
           <a:p>
             <a:pPr lvl="1"/>
             <a:r>
-              <a:rPr lang="es-ES" smtClean="0"/>
+              <a:rPr lang="es-ES"/>
               <a:t>Segundo nivel</a:t>
             </a:r>
           </a:p>
           <a:p>
             <a:pPr lvl="2"/>
             <a:r>
-              <a:rPr lang="es-ES" smtClean="0"/>
+              <a:rPr lang="es-ES"/>
               <a:t>Tercer nivel</a:t>
             </a:r>
           </a:p>
           <a:p>
             <a:pPr lvl="3"/>
             <a:r>
-              <a:rPr lang="es-ES" smtClean="0"/>
+              <a:rPr lang="es-ES"/>
               <a:t>Cuarto nivel</a:t>
             </a:r>
           </a:p>
           <a:p>
             <a:pPr lvl="4"/>
             <a:r>
-              <a:rPr lang="es-ES" smtClean="0"/>
+              <a:rPr lang="es-ES"/>
               <a:t>Quinto nivel</a:t>
             </a:r>
             <a:endParaRPr lang="es-EC"/>
@@ -362,7 +379,7 @@
           <a:p>
             <a:fld id="{AF34B137-3AA3-4526-87F1-C86AE912BD02}" type="slidenum">
               <a:rPr lang="es-EC" smtClean="0"/>
-              <a:t>‹Nº›</a:t>
+              <a:t>‹#›</a:t>
             </a:fld>
             <a:endParaRPr lang="es-EC"/>
           </a:p>
@@ -586,7 +603,7 @@
           </a:lstStyle>
           <a:p>
             <a:r>
-              <a:rPr kumimoji="0" lang="es-ES" smtClean="0"/>
+              <a:rPr kumimoji="0" lang="es-ES"/>
               <a:t>Haga clic para modificar el estilo de título del patrón</a:t>
             </a:r>
             <a:endParaRPr kumimoji="0" lang="en-US"/>
@@ -657,7 +674,7 @@
           </a:lstStyle>
           <a:p>
             <a:r>
-              <a:rPr kumimoji="0" lang="es-ES" smtClean="0"/>
+              <a:rPr kumimoji="0" lang="es-ES"/>
               <a:t>Haga clic para modificar el estilo de subtítulo del patrón</a:t>
             </a:r>
             <a:endParaRPr kumimoji="0" lang="en-US"/>
@@ -690,7 +707,7 @@
           <a:p>
             <a:fld id="{6DDB7E7C-AE19-4CAD-872A-C96A550A8BB1}" type="datetimeFigureOut">
               <a:rPr lang="es-EC" smtClean="0"/>
-              <a:t>11/10/2018</a:t>
+              <a:t>14/10/2018</a:t>
             </a:fld>
             <a:endParaRPr lang="es-EC"/>
           </a:p>
@@ -754,7 +771,7 @@
           <a:p>
             <a:fld id="{E57FAF9D-CD1B-47C5-96B8-A3C678550043}" type="slidenum">
               <a:rPr lang="es-EC" smtClean="0"/>
-              <a:t>‹Nº›</a:t>
+              <a:t>‹#›</a:t>
             </a:fld>
             <a:endParaRPr lang="es-EC"/>
           </a:p>
@@ -801,7 +818,7 @@
           <a:lstStyle/>
           <a:p>
             <a:r>
-              <a:rPr kumimoji="0" lang="es-ES" smtClean="0"/>
+              <a:rPr kumimoji="0" lang="es-ES"/>
               <a:t>Haga clic para modificar el estilo de título del patrón</a:t>
             </a:r>
             <a:endParaRPr kumimoji="0" lang="en-US"/>
@@ -825,35 +842,35 @@
           <a:p>
             <a:pPr lvl="0" eaLnBrk="1" latinLnBrk="0" hangingPunct="1"/>
             <a:r>
-              <a:rPr lang="es-ES" smtClean="0"/>
+              <a:rPr lang="es-ES"/>
               <a:t>Haga clic para modificar el estilo de texto del patrón</a:t>
             </a:r>
           </a:p>
           <a:p>
             <a:pPr lvl="1" eaLnBrk="1" latinLnBrk="0" hangingPunct="1"/>
             <a:r>
-              <a:rPr lang="es-ES" smtClean="0"/>
+              <a:rPr lang="es-ES"/>
               <a:t>Segundo nivel</a:t>
             </a:r>
           </a:p>
           <a:p>
             <a:pPr lvl="2" eaLnBrk="1" latinLnBrk="0" hangingPunct="1"/>
             <a:r>
-              <a:rPr lang="es-ES" smtClean="0"/>
+              <a:rPr lang="es-ES"/>
               <a:t>Tercer nivel</a:t>
             </a:r>
           </a:p>
           <a:p>
             <a:pPr lvl="3" eaLnBrk="1" latinLnBrk="0" hangingPunct="1"/>
             <a:r>
-              <a:rPr lang="es-ES" smtClean="0"/>
+              <a:rPr lang="es-ES"/>
               <a:t>Cuarto nivel</a:t>
             </a:r>
           </a:p>
           <a:p>
             <a:pPr lvl="4" eaLnBrk="1" latinLnBrk="0" hangingPunct="1"/>
             <a:r>
-              <a:rPr lang="es-ES" smtClean="0"/>
+              <a:rPr lang="es-ES"/>
               <a:t>Quinto nivel</a:t>
             </a:r>
             <a:endParaRPr kumimoji="0" lang="en-US"/>
@@ -877,7 +894,7 @@
           <a:p>
             <a:fld id="{6DDB7E7C-AE19-4CAD-872A-C96A550A8BB1}" type="datetimeFigureOut">
               <a:rPr lang="es-EC" smtClean="0"/>
-              <a:t>11/10/2018</a:t>
+              <a:t>14/10/2018</a:t>
             </a:fld>
             <a:endParaRPr lang="es-EC"/>
           </a:p>
@@ -919,7 +936,7 @@
           <a:p>
             <a:fld id="{E57FAF9D-CD1B-47C5-96B8-A3C678550043}" type="slidenum">
               <a:rPr lang="es-EC" smtClean="0"/>
-              <a:t>‹Nº›</a:t>
+              <a:t>‹#›</a:t>
             </a:fld>
             <a:endParaRPr lang="es-EC"/>
           </a:p>
@@ -971,7 +988,7 @@
           <a:lstStyle/>
           <a:p>
             <a:r>
-              <a:rPr kumimoji="0" lang="es-ES" smtClean="0"/>
+              <a:rPr kumimoji="0" lang="es-ES"/>
               <a:t>Haga clic para modificar el estilo de título del patrón</a:t>
             </a:r>
             <a:endParaRPr kumimoji="0" lang="en-US"/>
@@ -1000,35 +1017,35 @@
           <a:p>
             <a:pPr lvl="0" eaLnBrk="1" latinLnBrk="0" hangingPunct="1"/>
             <a:r>
-              <a:rPr lang="es-ES" smtClean="0"/>
+              <a:rPr lang="es-ES"/>
               <a:t>Haga clic para modificar el estilo de texto del patrón</a:t>
             </a:r>
           </a:p>
           <a:p>
             <a:pPr lvl="1" eaLnBrk="1" latinLnBrk="0" hangingPunct="1"/>
             <a:r>
-              <a:rPr lang="es-ES" smtClean="0"/>
+              <a:rPr lang="es-ES"/>
               <a:t>Segundo nivel</a:t>
             </a:r>
           </a:p>
           <a:p>
             <a:pPr lvl="2" eaLnBrk="1" latinLnBrk="0" hangingPunct="1"/>
             <a:r>
-              <a:rPr lang="es-ES" smtClean="0"/>
+              <a:rPr lang="es-ES"/>
               <a:t>Tercer nivel</a:t>
             </a:r>
           </a:p>
           <a:p>
             <a:pPr lvl="3" eaLnBrk="1" latinLnBrk="0" hangingPunct="1"/>
             <a:r>
-              <a:rPr lang="es-ES" smtClean="0"/>
+              <a:rPr lang="es-ES"/>
               <a:t>Cuarto nivel</a:t>
             </a:r>
           </a:p>
           <a:p>
             <a:pPr lvl="4" eaLnBrk="1" latinLnBrk="0" hangingPunct="1"/>
             <a:r>
-              <a:rPr lang="es-ES" smtClean="0"/>
+              <a:rPr lang="es-ES"/>
               <a:t>Quinto nivel</a:t>
             </a:r>
             <a:endParaRPr kumimoji="0" lang="en-US"/>
@@ -1052,7 +1069,7 @@
           <a:p>
             <a:fld id="{6DDB7E7C-AE19-4CAD-872A-C96A550A8BB1}" type="datetimeFigureOut">
               <a:rPr lang="es-EC" smtClean="0"/>
-              <a:t>11/10/2018</a:t>
+              <a:t>14/10/2018</a:t>
             </a:fld>
             <a:endParaRPr lang="es-EC"/>
           </a:p>
@@ -1094,7 +1111,7 @@
           <a:p>
             <a:fld id="{E57FAF9D-CD1B-47C5-96B8-A3C678550043}" type="slidenum">
               <a:rPr lang="es-EC" smtClean="0"/>
-              <a:t>‹Nº›</a:t>
+              <a:t>‹#›</a:t>
             </a:fld>
             <a:endParaRPr lang="es-EC"/>
           </a:p>
@@ -1146,7 +1163,7 @@
           <a:lstStyle/>
           <a:p>
             <a:r>
-              <a:rPr kumimoji="0" lang="es-ES" smtClean="0"/>
+              <a:rPr kumimoji="0" lang="es-ES"/>
               <a:t>Haga clic para modificar el estilo de título del patrón</a:t>
             </a:r>
             <a:endParaRPr kumimoji="0" lang="en-US"/>
@@ -1175,35 +1192,35 @@
           <a:p>
             <a:pPr lvl="0" eaLnBrk="1" latinLnBrk="0" hangingPunct="1"/>
             <a:r>
-              <a:rPr lang="es-ES" smtClean="0"/>
+              <a:rPr lang="es-ES"/>
               <a:t>Haga clic para modificar el estilo de texto del patrón</a:t>
             </a:r>
           </a:p>
           <a:p>
             <a:pPr lvl="1" eaLnBrk="1" latinLnBrk="0" hangingPunct="1"/>
             <a:r>
-              <a:rPr lang="es-ES" smtClean="0"/>
+              <a:rPr lang="es-ES"/>
               <a:t>Segundo nivel</a:t>
             </a:r>
           </a:p>
           <a:p>
             <a:pPr lvl="2" eaLnBrk="1" latinLnBrk="0" hangingPunct="1"/>
             <a:r>
-              <a:rPr lang="es-ES" smtClean="0"/>
+              <a:rPr lang="es-ES"/>
               <a:t>Tercer nivel</a:t>
             </a:r>
           </a:p>
           <a:p>
             <a:pPr lvl="3" eaLnBrk="1" latinLnBrk="0" hangingPunct="1"/>
             <a:r>
-              <a:rPr lang="es-ES" smtClean="0"/>
+              <a:rPr lang="es-ES"/>
               <a:t>Cuarto nivel</a:t>
             </a:r>
           </a:p>
           <a:p>
             <a:pPr lvl="4" eaLnBrk="1" latinLnBrk="0" hangingPunct="1"/>
             <a:r>
-              <a:rPr lang="es-ES" smtClean="0"/>
+              <a:rPr lang="es-ES"/>
               <a:t>Quinto nivel</a:t>
             </a:r>
             <a:endParaRPr kumimoji="0" lang="en-US"/>
@@ -1232,7 +1249,7 @@
           <a:p>
             <a:fld id="{6DDB7E7C-AE19-4CAD-872A-C96A550A8BB1}" type="datetimeFigureOut">
               <a:rPr lang="es-EC" smtClean="0"/>
-              <a:t>11/10/2018</a:t>
+              <a:t>14/10/2018</a:t>
             </a:fld>
             <a:endParaRPr lang="es-EC"/>
           </a:p>
@@ -1279,7 +1296,7 @@
           <a:p>
             <a:fld id="{E57FAF9D-CD1B-47C5-96B8-A3C678550043}" type="slidenum">
               <a:rPr lang="es-EC" smtClean="0"/>
-              <a:t>‹Nº›</a:t>
+              <a:t>‹#›</a:t>
             </a:fld>
             <a:endParaRPr lang="es-EC"/>
           </a:p>
@@ -1479,7 +1496,7 @@
           <a:p>
             <a:fld id="{6DDB7E7C-AE19-4CAD-872A-C96A550A8BB1}" type="datetimeFigureOut">
               <a:rPr lang="es-EC" smtClean="0"/>
-              <a:t>11/10/2018</a:t>
+              <a:t>14/10/2018</a:t>
             </a:fld>
             <a:endParaRPr lang="es-EC"/>
           </a:p>
@@ -1531,7 +1548,7 @@
           <a:p>
             <a:fld id="{E57FAF9D-CD1B-47C5-96B8-A3C678550043}" type="slidenum">
               <a:rPr lang="es-EC" smtClean="0"/>
-              <a:t>‹Nº›</a:t>
+              <a:t>‹#›</a:t>
             </a:fld>
             <a:endParaRPr lang="es-EC"/>
           </a:p>
@@ -1647,7 +1664,7 @@
           </a:lstStyle>
           <a:p>
             <a:r>
-              <a:rPr kumimoji="0" lang="es-ES" smtClean="0"/>
+              <a:rPr kumimoji="0" lang="es-ES"/>
               <a:t>Haga clic para modificar el estilo de título del patrón</a:t>
             </a:r>
             <a:endParaRPr kumimoji="0" lang="en-US"/>
@@ -1727,7 +1744,7 @@
           <a:p>
             <a:pPr lvl="0" eaLnBrk="1" latinLnBrk="0" hangingPunct="1"/>
             <a:r>
-              <a:rPr kumimoji="0" lang="es-ES" smtClean="0"/>
+              <a:rPr kumimoji="0" lang="es-ES"/>
               <a:t>Haga clic para modificar el estilo de texto del patrón</a:t>
             </a:r>
           </a:p>
@@ -1778,7 +1795,7 @@
           </a:lstStyle>
           <a:p>
             <a:r>
-              <a:rPr kumimoji="0" lang="es-ES" smtClean="0"/>
+              <a:rPr kumimoji="0" lang="es-ES"/>
               <a:t>Haga clic para modificar el estilo de título del patrón</a:t>
             </a:r>
             <a:endParaRPr kumimoji="0" lang="en-US"/>
@@ -1823,35 +1840,35 @@
           <a:p>
             <a:pPr lvl="0" eaLnBrk="1" latinLnBrk="0" hangingPunct="1"/>
             <a:r>
-              <a:rPr lang="es-ES" smtClean="0"/>
+              <a:rPr lang="es-ES"/>
               <a:t>Haga clic para modificar el estilo de texto del patrón</a:t>
             </a:r>
           </a:p>
           <a:p>
             <a:pPr lvl="1" eaLnBrk="1" latinLnBrk="0" hangingPunct="1"/>
             <a:r>
-              <a:rPr lang="es-ES" smtClean="0"/>
+              <a:rPr lang="es-ES"/>
               <a:t>Segundo nivel</a:t>
             </a:r>
           </a:p>
           <a:p>
             <a:pPr lvl="2" eaLnBrk="1" latinLnBrk="0" hangingPunct="1"/>
             <a:r>
-              <a:rPr lang="es-ES" smtClean="0"/>
+              <a:rPr lang="es-ES"/>
               <a:t>Tercer nivel</a:t>
             </a:r>
           </a:p>
           <a:p>
             <a:pPr lvl="3" eaLnBrk="1" latinLnBrk="0" hangingPunct="1"/>
             <a:r>
-              <a:rPr lang="es-ES" smtClean="0"/>
+              <a:rPr lang="es-ES"/>
               <a:t>Cuarto nivel</a:t>
             </a:r>
           </a:p>
           <a:p>
             <a:pPr lvl="4" eaLnBrk="1" latinLnBrk="0" hangingPunct="1"/>
             <a:r>
-              <a:rPr lang="es-ES" smtClean="0"/>
+              <a:rPr lang="es-ES"/>
               <a:t>Quinto nivel</a:t>
             </a:r>
             <a:endParaRPr kumimoji="0" lang="en-US"/>
@@ -1896,35 +1913,35 @@
           <a:p>
             <a:pPr lvl="0" eaLnBrk="1" latinLnBrk="0" hangingPunct="1"/>
             <a:r>
-              <a:rPr lang="es-ES" smtClean="0"/>
+              <a:rPr lang="es-ES"/>
               <a:t>Haga clic para modificar el estilo de texto del patrón</a:t>
             </a:r>
           </a:p>
           <a:p>
             <a:pPr lvl="1" eaLnBrk="1" latinLnBrk="0" hangingPunct="1"/>
             <a:r>
-              <a:rPr lang="es-ES" smtClean="0"/>
+              <a:rPr lang="es-ES"/>
               <a:t>Segundo nivel</a:t>
             </a:r>
           </a:p>
           <a:p>
             <a:pPr lvl="2" eaLnBrk="1" latinLnBrk="0" hangingPunct="1"/>
             <a:r>
-              <a:rPr lang="es-ES" smtClean="0"/>
+              <a:rPr lang="es-ES"/>
               <a:t>Tercer nivel</a:t>
             </a:r>
           </a:p>
           <a:p>
             <a:pPr lvl="3" eaLnBrk="1" latinLnBrk="0" hangingPunct="1"/>
             <a:r>
-              <a:rPr lang="es-ES" smtClean="0"/>
+              <a:rPr lang="es-ES"/>
               <a:t>Cuarto nivel</a:t>
             </a:r>
           </a:p>
           <a:p>
             <a:pPr lvl="4" eaLnBrk="1" latinLnBrk="0" hangingPunct="1"/>
             <a:r>
-              <a:rPr lang="es-ES" smtClean="0"/>
+              <a:rPr lang="es-ES"/>
               <a:t>Quinto nivel</a:t>
             </a:r>
             <a:endParaRPr kumimoji="0" lang="en-US"/>
@@ -1953,7 +1970,7 @@
           <a:p>
             <a:fld id="{6DDB7E7C-AE19-4CAD-872A-C96A550A8BB1}" type="datetimeFigureOut">
               <a:rPr lang="es-EC" smtClean="0"/>
-              <a:t>11/10/2018</a:t>
+              <a:t>14/10/2018</a:t>
             </a:fld>
             <a:endParaRPr lang="es-EC"/>
           </a:p>
@@ -2005,7 +2022,7 @@
           <a:p>
             <a:fld id="{E57FAF9D-CD1B-47C5-96B8-A3C678550043}" type="slidenum">
               <a:rPr lang="es-EC" smtClean="0"/>
-              <a:t>‹Nº›</a:t>
+              <a:t>‹#›</a:t>
             </a:fld>
             <a:endParaRPr lang="es-EC"/>
           </a:p>
@@ -2075,7 +2092,7 @@
           </a:lstStyle>
           <a:p>
             <a:r>
-              <a:rPr kumimoji="0" lang="es-ES" smtClean="0"/>
+              <a:rPr kumimoji="0" lang="es-ES"/>
               <a:t>Haga clic para modificar el estilo de título del patrón</a:t>
             </a:r>
             <a:endParaRPr kumimoji="0" lang="en-US"/>
@@ -2135,7 +2152,7 @@
           <a:p>
             <a:pPr lvl="0" eaLnBrk="1" latinLnBrk="0" hangingPunct="1"/>
             <a:r>
-              <a:rPr kumimoji="0" lang="es-ES" smtClean="0"/>
+              <a:rPr kumimoji="0" lang="es-ES"/>
               <a:t>Haga clic para modificar el estilo de texto del patrón</a:t>
             </a:r>
           </a:p>
@@ -2194,7 +2211,7 @@
           <a:p>
             <a:pPr lvl="0" eaLnBrk="1" latinLnBrk="0" hangingPunct="1"/>
             <a:r>
-              <a:rPr kumimoji="0" lang="es-ES" smtClean="0"/>
+              <a:rPr kumimoji="0" lang="es-ES"/>
               <a:t>Haga clic para modificar el estilo de texto del patrón</a:t>
             </a:r>
           </a:p>
@@ -2238,35 +2255,35 @@
           <a:p>
             <a:pPr lvl="0" eaLnBrk="1" latinLnBrk="0" hangingPunct="1"/>
             <a:r>
-              <a:rPr lang="es-ES" smtClean="0"/>
+              <a:rPr lang="es-ES"/>
               <a:t>Haga clic para modificar el estilo de texto del patrón</a:t>
             </a:r>
           </a:p>
           <a:p>
             <a:pPr lvl="1" eaLnBrk="1" latinLnBrk="0" hangingPunct="1"/>
             <a:r>
-              <a:rPr lang="es-ES" smtClean="0"/>
+              <a:rPr lang="es-ES"/>
               <a:t>Segundo nivel</a:t>
             </a:r>
           </a:p>
           <a:p>
             <a:pPr lvl="2" eaLnBrk="1" latinLnBrk="0" hangingPunct="1"/>
             <a:r>
-              <a:rPr lang="es-ES" smtClean="0"/>
+              <a:rPr lang="es-ES"/>
               <a:t>Tercer nivel</a:t>
             </a:r>
           </a:p>
           <a:p>
             <a:pPr lvl="3" eaLnBrk="1" latinLnBrk="0" hangingPunct="1"/>
             <a:r>
-              <a:rPr lang="es-ES" smtClean="0"/>
+              <a:rPr lang="es-ES"/>
               <a:t>Cuarto nivel</a:t>
             </a:r>
           </a:p>
           <a:p>
             <a:pPr lvl="4" eaLnBrk="1" latinLnBrk="0" hangingPunct="1"/>
             <a:r>
-              <a:rPr lang="es-ES" smtClean="0"/>
+              <a:rPr lang="es-ES"/>
               <a:t>Quinto nivel</a:t>
             </a:r>
             <a:endParaRPr kumimoji="0" lang="en-US"/>
@@ -2311,35 +2328,35 @@
           <a:p>
             <a:pPr lvl="0" eaLnBrk="1" latinLnBrk="0" hangingPunct="1"/>
             <a:r>
-              <a:rPr lang="es-ES" smtClean="0"/>
+              <a:rPr lang="es-ES"/>
               <a:t>Haga clic para modificar el estilo de texto del patrón</a:t>
             </a:r>
           </a:p>
           <a:p>
             <a:pPr lvl="1" eaLnBrk="1" latinLnBrk="0" hangingPunct="1"/>
             <a:r>
-              <a:rPr lang="es-ES" smtClean="0"/>
+              <a:rPr lang="es-ES"/>
               <a:t>Segundo nivel</a:t>
             </a:r>
           </a:p>
           <a:p>
             <a:pPr lvl="2" eaLnBrk="1" latinLnBrk="0" hangingPunct="1"/>
             <a:r>
-              <a:rPr lang="es-ES" smtClean="0"/>
+              <a:rPr lang="es-ES"/>
               <a:t>Tercer nivel</a:t>
             </a:r>
           </a:p>
           <a:p>
             <a:pPr lvl="3" eaLnBrk="1" latinLnBrk="0" hangingPunct="1"/>
             <a:r>
-              <a:rPr lang="es-ES" smtClean="0"/>
+              <a:rPr lang="es-ES"/>
               <a:t>Cuarto nivel</a:t>
             </a:r>
           </a:p>
           <a:p>
             <a:pPr lvl="4" eaLnBrk="1" latinLnBrk="0" hangingPunct="1"/>
             <a:r>
-              <a:rPr lang="es-ES" smtClean="0"/>
+              <a:rPr lang="es-ES"/>
               <a:t>Quinto nivel</a:t>
             </a:r>
             <a:endParaRPr kumimoji="0" lang="en-US"/>
@@ -2368,7 +2385,7 @@
           <a:p>
             <a:fld id="{6DDB7E7C-AE19-4CAD-872A-C96A550A8BB1}" type="datetimeFigureOut">
               <a:rPr lang="es-EC" smtClean="0"/>
-              <a:t>11/10/2018</a:t>
+              <a:t>14/10/2018</a:t>
             </a:fld>
             <a:endParaRPr lang="es-EC"/>
           </a:p>
@@ -2424,7 +2441,7 @@
           <a:p>
             <a:fld id="{E57FAF9D-CD1B-47C5-96B8-A3C678550043}" type="slidenum">
               <a:rPr lang="es-EC" smtClean="0"/>
-              <a:t>‹Nº›</a:t>
+              <a:t>‹#›</a:t>
             </a:fld>
             <a:endParaRPr lang="es-EC"/>
           </a:p>
@@ -2475,7 +2492,7 @@
           </a:lstStyle>
           <a:p>
             <a:r>
-              <a:rPr kumimoji="0" lang="es-ES" smtClean="0"/>
+              <a:rPr kumimoji="0" lang="es-ES"/>
               <a:t>Haga clic para modificar el estilo de título del patrón</a:t>
             </a:r>
             <a:endParaRPr kumimoji="0" lang="en-US"/>
@@ -2499,7 +2516,7 @@
           <a:p>
             <a:fld id="{6DDB7E7C-AE19-4CAD-872A-C96A550A8BB1}" type="datetimeFigureOut">
               <a:rPr lang="es-EC" smtClean="0"/>
-              <a:t>11/10/2018</a:t>
+              <a:t>14/10/2018</a:t>
             </a:fld>
             <a:endParaRPr lang="es-EC"/>
           </a:p>
@@ -2541,7 +2558,7 @@
           <a:p>
             <a:fld id="{E57FAF9D-CD1B-47C5-96B8-A3C678550043}" type="slidenum">
               <a:rPr lang="es-EC" smtClean="0"/>
-              <a:t>‹Nº›</a:t>
+              <a:t>‹#›</a:t>
             </a:fld>
             <a:endParaRPr lang="es-EC"/>
           </a:p>
@@ -2594,7 +2611,7 @@
           <a:p>
             <a:fld id="{6DDB7E7C-AE19-4CAD-872A-C96A550A8BB1}" type="datetimeFigureOut">
               <a:rPr lang="es-EC" smtClean="0"/>
-              <a:t>11/10/2018</a:t>
+              <a:t>14/10/2018</a:t>
             </a:fld>
             <a:endParaRPr lang="es-EC"/>
           </a:p>
@@ -2646,7 +2663,7 @@
           <a:p>
             <a:fld id="{E57FAF9D-CD1B-47C5-96B8-A3C678550043}" type="slidenum">
               <a:rPr lang="es-EC" smtClean="0"/>
-              <a:t>‹Nº›</a:t>
+              <a:t>‹#›</a:t>
             </a:fld>
             <a:endParaRPr lang="es-EC"/>
           </a:p>
@@ -2711,7 +2728,7 @@
           </a:lstStyle>
           <a:p>
             <a:r>
-              <a:rPr kumimoji="0" lang="es-ES" smtClean="0"/>
+              <a:rPr kumimoji="0" lang="es-ES"/>
               <a:t>Haga clic para modificar el estilo de título del patrón</a:t>
             </a:r>
             <a:endParaRPr kumimoji="0" lang="en-US"/>
@@ -2764,7 +2781,7 @@
           <a:p>
             <a:pPr lvl="0" eaLnBrk="1" latinLnBrk="0" hangingPunct="1"/>
             <a:r>
-              <a:rPr kumimoji="0" lang="es-ES" smtClean="0"/>
+              <a:rPr kumimoji="0" lang="es-ES"/>
               <a:t>Haga clic para modificar el estilo de texto del patrón</a:t>
             </a:r>
           </a:p>
@@ -2811,35 +2828,35 @@
           <a:p>
             <a:pPr lvl="0" eaLnBrk="1" latinLnBrk="0" hangingPunct="1"/>
             <a:r>
-              <a:rPr lang="es-ES" smtClean="0"/>
+              <a:rPr lang="es-ES"/>
               <a:t>Haga clic para modificar el estilo de texto del patrón</a:t>
             </a:r>
           </a:p>
           <a:p>
             <a:pPr lvl="1" eaLnBrk="1" latinLnBrk="0" hangingPunct="1"/>
             <a:r>
-              <a:rPr lang="es-ES" smtClean="0"/>
+              <a:rPr lang="es-ES"/>
               <a:t>Segundo nivel</a:t>
             </a:r>
           </a:p>
           <a:p>
             <a:pPr lvl="2" eaLnBrk="1" latinLnBrk="0" hangingPunct="1"/>
             <a:r>
-              <a:rPr lang="es-ES" smtClean="0"/>
+              <a:rPr lang="es-ES"/>
               <a:t>Tercer nivel</a:t>
             </a:r>
           </a:p>
           <a:p>
             <a:pPr lvl="3" eaLnBrk="1" latinLnBrk="0" hangingPunct="1"/>
             <a:r>
-              <a:rPr lang="es-ES" smtClean="0"/>
+              <a:rPr lang="es-ES"/>
               <a:t>Cuarto nivel</a:t>
             </a:r>
           </a:p>
           <a:p>
             <a:pPr lvl="4" eaLnBrk="1" latinLnBrk="0" hangingPunct="1"/>
             <a:r>
-              <a:rPr lang="es-ES" smtClean="0"/>
+              <a:rPr lang="es-ES"/>
               <a:t>Quinto nivel</a:t>
             </a:r>
             <a:endParaRPr kumimoji="0" lang="en-US"/>
@@ -2872,7 +2889,7 @@
           <a:p>
             <a:fld id="{6DDB7E7C-AE19-4CAD-872A-C96A550A8BB1}" type="datetimeFigureOut">
               <a:rPr lang="es-EC" smtClean="0"/>
-              <a:t>11/10/2018</a:t>
+              <a:t>14/10/2018</a:t>
             </a:fld>
             <a:endParaRPr lang="es-EC"/>
           </a:p>
@@ -2932,7 +2949,7 @@
           <a:p>
             <a:fld id="{E57FAF9D-CD1B-47C5-96B8-A3C678550043}" type="slidenum">
               <a:rPr lang="es-EC" smtClean="0"/>
-              <a:t>‹Nº›</a:t>
+              <a:t>‹#›</a:t>
             </a:fld>
             <a:endParaRPr lang="es-EC"/>
           </a:p>
@@ -2994,7 +3011,7 @@
           </a:lstStyle>
           <a:p>
             <a:r>
-              <a:rPr kumimoji="0" lang="es-ES" smtClean="0"/>
+              <a:rPr kumimoji="0" lang="es-ES"/>
               <a:t>Haga clic para modificar el estilo de título del patrón</a:t>
             </a:r>
             <a:endParaRPr kumimoji="0" lang="en-US"/>
@@ -3032,7 +3049,7 @@
           </a:lstStyle>
           <a:p>
             <a:r>
-              <a:rPr kumimoji="0" lang="es-ES" smtClean="0"/>
+              <a:rPr kumimoji="0" lang="es-ES"/>
               <a:t>Haga clic en el icono para agregar una imagen</a:t>
             </a:r>
             <a:endParaRPr kumimoji="0" lang="en-US" dirty="0"/>
@@ -3092,7 +3109,7 @@
           <a:p>
             <a:pPr lvl="0" eaLnBrk="1" latinLnBrk="0" hangingPunct="1"/>
             <a:r>
-              <a:rPr kumimoji="0" lang="es-ES" smtClean="0"/>
+              <a:rPr kumimoji="0" lang="es-ES"/>
               <a:t>Haga clic para modificar el estilo de texto del patrón</a:t>
             </a:r>
           </a:p>
@@ -3124,7 +3141,7 @@
           <a:p>
             <a:fld id="{6DDB7E7C-AE19-4CAD-872A-C96A550A8BB1}" type="datetimeFigureOut">
               <a:rPr lang="es-EC" smtClean="0"/>
-              <a:t>11/10/2018</a:t>
+              <a:t>14/10/2018</a:t>
             </a:fld>
             <a:endParaRPr lang="es-EC"/>
           </a:p>
@@ -3184,7 +3201,7 @@
           <a:p>
             <a:fld id="{E57FAF9D-CD1B-47C5-96B8-A3C678550043}" type="slidenum">
               <a:rPr lang="es-EC" smtClean="0"/>
-              <a:t>‹Nº›</a:t>
+              <a:t>‹#›</a:t>
             </a:fld>
             <a:endParaRPr lang="es-EC"/>
           </a:p>
@@ -3394,7 +3411,7 @@
           <a:lstStyle/>
           <a:p>
             <a:r>
-              <a:rPr kumimoji="0" lang="es-ES" smtClean="0"/>
+              <a:rPr kumimoji="0" lang="es-ES"/>
               <a:t>Haga clic para modificar el estilo de título del patrón</a:t>
             </a:r>
             <a:endParaRPr kumimoji="0" lang="en-US"/>
@@ -3428,35 +3445,35 @@
           <a:p>
             <a:pPr lvl="0" eaLnBrk="1" latinLnBrk="0" hangingPunct="1"/>
             <a:r>
-              <a:rPr kumimoji="0" lang="es-ES" smtClean="0"/>
+              <a:rPr kumimoji="0" lang="es-ES"/>
               <a:t>Haga clic para modificar el estilo de texto del patrón</a:t>
             </a:r>
           </a:p>
           <a:p>
             <a:pPr lvl="1" eaLnBrk="1" latinLnBrk="0" hangingPunct="1"/>
             <a:r>
-              <a:rPr kumimoji="0" lang="es-ES" smtClean="0"/>
+              <a:rPr kumimoji="0" lang="es-ES"/>
               <a:t>Segundo nivel</a:t>
             </a:r>
           </a:p>
           <a:p>
             <a:pPr lvl="2" eaLnBrk="1" latinLnBrk="0" hangingPunct="1"/>
             <a:r>
-              <a:rPr kumimoji="0" lang="es-ES" smtClean="0"/>
+              <a:rPr kumimoji="0" lang="es-ES"/>
               <a:t>Tercer nivel</a:t>
             </a:r>
           </a:p>
           <a:p>
             <a:pPr lvl="3" eaLnBrk="1" latinLnBrk="0" hangingPunct="1"/>
             <a:r>
-              <a:rPr kumimoji="0" lang="es-ES" smtClean="0"/>
+              <a:rPr kumimoji="0" lang="es-ES"/>
               <a:t>Cuarto nivel</a:t>
             </a:r>
           </a:p>
           <a:p>
             <a:pPr lvl="4" eaLnBrk="1" latinLnBrk="0" hangingPunct="1"/>
             <a:r>
-              <a:rPr kumimoji="0" lang="es-ES" smtClean="0"/>
+              <a:rPr kumimoji="0" lang="es-ES"/>
               <a:t>Quinto nivel</a:t>
             </a:r>
             <a:endParaRPr kumimoji="0" lang="en-US"/>
@@ -3496,7 +3513,7 @@
           <a:p>
             <a:fld id="{6DDB7E7C-AE19-4CAD-872A-C96A550A8BB1}" type="datetimeFigureOut">
               <a:rPr lang="es-EC" smtClean="0"/>
-              <a:t>11/10/2018</a:t>
+              <a:t>14/10/2018</a:t>
             </a:fld>
             <a:endParaRPr lang="es-EC"/>
           </a:p>
@@ -3570,7 +3587,7 @@
           <a:p>
             <a:fld id="{E57FAF9D-CD1B-47C5-96B8-A3C678550043}" type="slidenum">
               <a:rPr lang="es-EC" smtClean="0"/>
-              <a:t>‹Nº›</a:t>
+              <a:t>‹#›</a:t>
             </a:fld>
             <a:endParaRPr lang="es-EC"/>
           </a:p>
@@ -3933,11 +3950,11 @@
           <a:lstStyle/>
           <a:p>
             <a:r>
-              <a:rPr lang="es-EC" dirty="0" smtClean="0"/>
+              <a:rPr lang="es-EC" dirty="0"/>
               <a:t>CAPACITACION WEB FV</a:t>
             </a:r>
             <a:br>
-              <a:rPr lang="es-EC" dirty="0" smtClean="0"/>
+              <a:rPr lang="es-EC" dirty="0"/>
             </a:br>
             <a:endParaRPr lang="es-EC" dirty="0"/>
           </a:p>
@@ -3961,22 +3978,21 @@
           <a:lstStyle/>
           <a:p>
             <a:r>
-              <a:rPr lang="es-EC" dirty="0" smtClean="0"/>
+              <a:rPr lang="es-EC" dirty="0"/>
               <a:t>NIVEL BASICO</a:t>
             </a:r>
           </a:p>
           <a:p>
             <a:r>
-              <a:rPr lang="es-EC" dirty="0" smtClean="0"/>
+              <a:rPr lang="es-EC" dirty="0"/>
               <a:t>DEPARTAMENTO DE SISTEMAS</a:t>
             </a:r>
           </a:p>
           <a:p>
             <a:r>
-              <a:rPr lang="es-EC" dirty="0" smtClean="0"/>
+              <a:rPr lang="es-EC" dirty="0"/>
               <a:t>2018</a:t>
             </a:r>
-            <a:endParaRPr lang="es-EC" dirty="0"/>
           </a:p>
         </p:txBody>
       </p:sp>
@@ -3990,17 +4006,201 @@
   <p:clrMapOvr>
     <a:masterClrMapping/>
   </p:clrMapOvr>
-  <p:timing>
-    <p:tnLst>
-      <p:par>
-        <p:cTn id="1" dur="indefinite" restart="never" nodeType="tmRoot"/>
-      </p:par>
-    </p:tnLst>
-  </p:timing>
 </p:sld>
 </file>
 
 <file path=ppt/slides/slide10.xml><?xml version="1.0" encoding="utf-8"?>
+<p:sld xmlns:a="http://schemas.openxmlformats.org/drawingml/2006/main" xmlns:r="http://schemas.openxmlformats.org/officeDocument/2006/relationships" xmlns:p="http://schemas.openxmlformats.org/presentationml/2006/main">
+  <p:cSld>
+    <p:spTree>
+      <p:nvGrpSpPr>
+        <p:cNvPr id="1" name=""/>
+        <p:cNvGrpSpPr/>
+        <p:nvPr/>
+      </p:nvGrpSpPr>
+      <p:grpSpPr>
+        <a:xfrm>
+          <a:off x="0" y="0"/>
+          <a:ext cx="0" cy="0"/>
+          <a:chOff x="0" y="0"/>
+          <a:chExt cx="0" cy="0"/>
+        </a:xfrm>
+      </p:grpSpPr>
+      <p:sp>
+        <p:nvSpPr>
+          <p:cNvPr id="5" name="4 CuadroTexto"/>
+          <p:cNvSpPr txBox="1"/>
+          <p:nvPr/>
+        </p:nvSpPr>
+        <p:spPr>
+          <a:xfrm>
+            <a:off x="3376930" y="3974"/>
+            <a:ext cx="5400600" cy="369332"/>
+          </a:xfrm>
+          <a:prstGeom prst="rect">
+            <a:avLst/>
+          </a:prstGeom>
+          <a:noFill/>
+        </p:spPr>
+        <p:txBody>
+          <a:bodyPr wrap="square" rtlCol="0">
+            <a:spAutoFit/>
+          </a:bodyPr>
+          <a:lstStyle/>
+          <a:p>
+            <a:r>
+              <a:rPr lang="es-EC" dirty="0"/>
+              <a:t>TEMA1 FUNDAMENTOS PROGRAMACIÓN</a:t>
+            </a:r>
+          </a:p>
+        </p:txBody>
+      </p:sp>
+      <p:pic>
+        <p:nvPicPr>
+          <p:cNvPr id="3077" name="Picture 5" descr="Resultado de imagen para git"/>
+          <p:cNvPicPr>
+            <a:picLocks noChangeAspect="1" noChangeArrowheads="1"/>
+          </p:cNvPicPr>
+          <p:nvPr/>
+        </p:nvPicPr>
+        <p:blipFill>
+          <a:blip r:embed="rId2">
+            <a:extLst>
+              <a:ext uri="{28A0092B-C50C-407E-A947-70E740481C1C}">
+                <a14:useLocalDpi xmlns:a14="http://schemas.microsoft.com/office/drawing/2010/main" val="0"/>
+              </a:ext>
+            </a:extLst>
+          </a:blip>
+          <a:srcRect/>
+          <a:stretch>
+            <a:fillRect/>
+          </a:stretch>
+        </p:blipFill>
+        <p:spPr bwMode="auto">
+          <a:xfrm>
+            <a:off x="1763688" y="1484784"/>
+            <a:ext cx="6048672" cy="2700300"/>
+          </a:xfrm>
+          <a:prstGeom prst="rect">
+            <a:avLst/>
+          </a:prstGeom>
+          <a:noFill/>
+          <a:extLst>
+            <a:ext uri="{909E8E84-426E-40DD-AFC4-6F175D3DCCD1}">
+              <a14:hiddenFill xmlns:a14="http://schemas.microsoft.com/office/drawing/2010/main">
+                <a:solidFill>
+                  <a:srgbClr val="FFFFFF"/>
+                </a:solidFill>
+              </a14:hiddenFill>
+            </a:ext>
+          </a:extLst>
+        </p:spPr>
+      </p:pic>
+      <p:sp>
+        <p:nvSpPr>
+          <p:cNvPr id="6" name="5 Título"/>
+          <p:cNvSpPr>
+            <a:spLocks noGrp="1"/>
+          </p:cNvSpPr>
+          <p:nvPr>
+            <p:ph type="title"/>
+          </p:nvPr>
+        </p:nvSpPr>
+        <p:spPr/>
+        <p:txBody>
+          <a:bodyPr/>
+          <a:lstStyle/>
+          <a:p>
+            <a:r>
+              <a:rPr lang="es-EC" dirty="0"/>
+              <a:t>1.3.1</a:t>
+            </a:r>
+            <a:r>
+              <a:rPr lang="es-EC" baseline="0" dirty="0"/>
+              <a:t> GIT VERSIONES</a:t>
+            </a:r>
+            <a:endParaRPr lang="es-EC" dirty="0"/>
+          </a:p>
+        </p:txBody>
+      </p:sp>
+      <p:pic>
+        <p:nvPicPr>
+          <p:cNvPr id="3078" name="Picture 6"/>
+          <p:cNvPicPr>
+            <a:picLocks noChangeAspect="1" noChangeArrowheads="1"/>
+          </p:cNvPicPr>
+          <p:nvPr/>
+        </p:nvPicPr>
+        <p:blipFill>
+          <a:blip r:embed="rId3">
+            <a:extLst>
+              <a:ext uri="{28A0092B-C50C-407E-A947-70E740481C1C}">
+                <a14:useLocalDpi xmlns:a14="http://schemas.microsoft.com/office/drawing/2010/main" val="0"/>
+              </a:ext>
+            </a:extLst>
+          </a:blip>
+          <a:srcRect/>
+          <a:stretch>
+            <a:fillRect/>
+          </a:stretch>
+        </p:blipFill>
+        <p:spPr bwMode="auto">
+          <a:xfrm>
+            <a:off x="971838" y="4311650"/>
+            <a:ext cx="7791450" cy="2546350"/>
+          </a:xfrm>
+          <a:prstGeom prst="rect">
+            <a:avLst/>
+          </a:prstGeom>
+          <a:noFill/>
+          <a:ln>
+            <a:noFill/>
+          </a:ln>
+          <a:effectLst/>
+          <a:extLst>
+            <a:ext uri="{909E8E84-426E-40DD-AFC4-6F175D3DCCD1}">
+              <a14:hiddenFill xmlns:a14="http://schemas.microsoft.com/office/drawing/2010/main">
+                <a:solidFill>
+                  <a:schemeClr val="accent1"/>
+                </a:solidFill>
+              </a14:hiddenFill>
+            </a:ext>
+            <a:ext uri="{91240B29-F687-4F45-9708-019B960494DF}">
+              <a14:hiddenLine xmlns:a14="http://schemas.microsoft.com/office/drawing/2010/main" w="9525">
+                <a:solidFill>
+                  <a:schemeClr val="tx1"/>
+                </a:solidFill>
+                <a:miter lim="800000"/>
+                <a:headEnd/>
+                <a:tailEnd/>
+              </a14:hiddenLine>
+            </a:ext>
+            <a:ext uri="{AF507438-7753-43E0-B8FC-AC1667EBCBE1}">
+              <a14:hiddenEffects xmlns:a14="http://schemas.microsoft.com/office/drawing/2010/main">
+                <a:effectLst>
+                  <a:outerShdw dist="35921" dir="2700000" algn="ctr" rotWithShape="0">
+                    <a:schemeClr val="bg2"/>
+                  </a:outerShdw>
+                </a:effectLst>
+              </a14:hiddenEffects>
+            </a:ext>
+          </a:extLst>
+        </p:spPr>
+      </p:pic>
+    </p:spTree>
+    <p:extLst>
+      <p:ext uri="{BB962C8B-B14F-4D97-AF65-F5344CB8AC3E}">
+        <p14:creationId xmlns:p14="http://schemas.microsoft.com/office/powerpoint/2010/main" val="3677591439"/>
+      </p:ext>
+    </p:extLst>
+  </p:cSld>
+  <p:clrMapOvr>
+    <a:masterClrMapping/>
+  </p:clrMapOvr>
+</p:sld>
+</file>
+
+<file path=ppt/slides/slide11.xml><?xml version="1.0" encoding="utf-8"?>
 <p:sld xmlns:a="http://schemas.openxmlformats.org/drawingml/2006/main" xmlns:r="http://schemas.openxmlformats.org/officeDocument/2006/relationships" xmlns:p="http://schemas.openxmlformats.org/presentationml/2006/main">
   <p:cSld>
     <p:spTree>
@@ -4104,10 +4304,9 @@
           <a:lstStyle/>
           <a:p>
             <a:r>
-              <a:rPr lang="es-EC" dirty="0" smtClean="0"/>
+              <a:rPr lang="es-EC" dirty="0"/>
               <a:t>TEMA1 FUNDAMENTOS PROGRAMACIÓN</a:t>
             </a:r>
-            <a:endParaRPr lang="es-EC" dirty="0"/>
           </a:p>
         </p:txBody>
       </p:sp>
@@ -4132,11 +4331,11 @@
           <a:lstStyle/>
           <a:p>
             <a:r>
-              <a:rPr lang="es-EC" dirty="0" smtClean="0"/>
+              <a:rPr lang="es-EC" dirty="0"/>
               <a:t>1.3.2</a:t>
             </a:r>
             <a:r>
-              <a:rPr lang="es-EC" baseline="0" dirty="0" smtClean="0"/>
+              <a:rPr lang="es-EC" baseline="0" dirty="0"/>
               <a:t> GIT BRACH</a:t>
             </a:r>
             <a:endParaRPr lang="es-EC" dirty="0"/>
@@ -4153,17 +4352,10 @@
   <p:clrMapOvr>
     <a:masterClrMapping/>
   </p:clrMapOvr>
-  <p:timing>
-    <p:tnLst>
-      <p:par>
-        <p:cTn id="1" dur="indefinite" restart="never" nodeType="tmRoot"/>
-      </p:par>
-    </p:tnLst>
-  </p:timing>
 </p:sld>
 </file>
 
-<file path=ppt/slides/slide11.xml><?xml version="1.0" encoding="utf-8"?>
+<file path=ppt/slides/slide12.xml><?xml version="1.0" encoding="utf-8"?>
 <p:sld xmlns:a="http://schemas.openxmlformats.org/drawingml/2006/main" xmlns:r="http://schemas.openxmlformats.org/officeDocument/2006/relationships" xmlns:p="http://schemas.openxmlformats.org/presentationml/2006/main">
   <p:cSld>
     <p:spTree>
@@ -4203,28 +4395,28 @@
           <a:lstStyle/>
           <a:p>
             <a:r>
-              <a:rPr lang="es-EC" dirty="0" smtClean="0"/>
+              <a:rPr lang="es-EC" dirty="0"/>
               <a:t>COMANDOS BRANCH</a:t>
             </a:r>
           </a:p>
           <a:p>
             <a:pPr lvl="1"/>
             <a:r>
-              <a:rPr lang="es-EC" dirty="0" smtClean="0"/>
+              <a:rPr lang="es-EC" dirty="0"/>
               <a:t>BRANCH</a:t>
             </a:r>
           </a:p>
           <a:p>
             <a:pPr lvl="1"/>
             <a:r>
-              <a:rPr lang="es-EC" dirty="0" smtClean="0"/>
+              <a:rPr lang="es-EC" dirty="0"/>
               <a:t>CHECKOUT</a:t>
             </a:r>
           </a:p>
           <a:p>
             <a:pPr lvl="1"/>
             <a:r>
-              <a:rPr lang="es-EC" dirty="0" smtClean="0"/>
+              <a:rPr lang="es-EC" dirty="0"/>
               <a:t>MERGE</a:t>
             </a:r>
           </a:p>
@@ -4238,51 +4430,50 @@
           <a:p>
             <a:pPr lvl="1"/>
             <a:r>
-              <a:rPr lang="es-EC" dirty="0" smtClean="0"/>
+              <a:rPr lang="es-EC" dirty="0"/>
               <a:t>LOG</a:t>
             </a:r>
           </a:p>
           <a:p>
             <a:pPr lvl="1"/>
             <a:r>
-              <a:rPr lang="es-EC" dirty="0" smtClean="0"/>
+              <a:rPr lang="es-EC" dirty="0"/>
               <a:t>DIFF</a:t>
             </a:r>
           </a:p>
           <a:p>
             <a:r>
-              <a:rPr lang="es-EC" dirty="0" smtClean="0"/>
+              <a:rPr lang="es-EC" dirty="0"/>
               <a:t>COMANDOS SERVER</a:t>
             </a:r>
           </a:p>
           <a:p>
             <a:pPr lvl="1"/>
             <a:r>
-              <a:rPr lang="es-EC" dirty="0" smtClean="0"/>
+              <a:rPr lang="es-EC" dirty="0"/>
               <a:t>REMOTE</a:t>
             </a:r>
           </a:p>
           <a:p>
             <a:pPr lvl="1"/>
             <a:r>
-              <a:rPr lang="es-EC" dirty="0" smtClean="0"/>
+              <a:rPr lang="es-EC" dirty="0"/>
               <a:t>PULL</a:t>
             </a:r>
           </a:p>
           <a:p>
             <a:pPr lvl="1"/>
             <a:r>
-              <a:rPr lang="es-EC" dirty="0" smtClean="0"/>
+              <a:rPr lang="es-EC" dirty="0"/>
               <a:t>PUSH</a:t>
             </a:r>
           </a:p>
           <a:p>
             <a:pPr lvl="1"/>
             <a:r>
-              <a:rPr lang="es-EC" dirty="0" smtClean="0"/>
+              <a:rPr lang="es-EC" dirty="0"/>
               <a:t>REBASE</a:t>
             </a:r>
-            <a:endParaRPr lang="es-EC" dirty="0"/>
           </a:p>
         </p:txBody>
       </p:sp>
@@ -4342,10 +4533,9 @@
           </a:lstStyle>
           <a:p>
             <a:r>
-              <a:rPr lang="es-EC" dirty="0" smtClean="0"/>
+              <a:rPr lang="es-EC" dirty="0"/>
               <a:t>1.1 GIT</a:t>
             </a:r>
-            <a:endParaRPr lang="es-EC" dirty="0"/>
           </a:p>
         </p:txBody>
       </p:sp>
@@ -4372,10 +4562,9 @@
           <a:lstStyle/>
           <a:p>
             <a:r>
-              <a:rPr lang="es-EC" dirty="0" smtClean="0"/>
+              <a:rPr lang="es-EC" dirty="0"/>
               <a:t>TEMA1 FUNDAMENTOS PROGRAMACIÓN</a:t>
             </a:r>
-            <a:endParaRPr lang="es-EC" dirty="0"/>
           </a:p>
         </p:txBody>
       </p:sp>
@@ -4578,81 +4767,81 @@
           </a:lstStyle>
           <a:p>
             <a:r>
-              <a:rPr lang="es-EC" dirty="0" smtClean="0"/>
+              <a:rPr lang="es-EC" dirty="0"/>
               <a:t>COMANDOS BASICOS</a:t>
             </a:r>
           </a:p>
           <a:p>
             <a:pPr lvl="1"/>
             <a:r>
-              <a:rPr lang="es-EC" dirty="0" smtClean="0"/>
+              <a:rPr lang="es-EC" dirty="0"/>
               <a:t>CONFIG</a:t>
             </a:r>
           </a:p>
           <a:p>
             <a:pPr lvl="1"/>
             <a:r>
-              <a:rPr lang="es-EC" dirty="0" smtClean="0"/>
+              <a:rPr lang="es-EC" dirty="0"/>
               <a:t>INIT</a:t>
             </a:r>
           </a:p>
           <a:p>
             <a:pPr lvl="1"/>
             <a:r>
-              <a:rPr lang="es-EC" dirty="0" smtClean="0"/>
+              <a:rPr lang="es-EC" dirty="0"/>
               <a:t>CLONE</a:t>
             </a:r>
           </a:p>
           <a:p>
             <a:pPr lvl="1"/>
             <a:r>
-              <a:rPr lang="es-EC" dirty="0" smtClean="0"/>
+              <a:rPr lang="es-EC" dirty="0"/>
               <a:t>STATUS</a:t>
             </a:r>
           </a:p>
           <a:p>
             <a:pPr lvl="1"/>
             <a:r>
-              <a:rPr lang="es-EC" dirty="0" smtClean="0"/>
+              <a:rPr lang="es-EC" dirty="0"/>
               <a:t>ADD</a:t>
             </a:r>
           </a:p>
           <a:p>
             <a:pPr lvl="1"/>
             <a:r>
-              <a:rPr lang="es-EC" dirty="0" smtClean="0"/>
+              <a:rPr lang="es-EC" dirty="0"/>
               <a:t>COMMIT</a:t>
             </a:r>
           </a:p>
           <a:p>
             <a:pPr lvl="1"/>
             <a:r>
-              <a:rPr lang="es-EC" dirty="0" smtClean="0"/>
+              <a:rPr lang="es-EC" dirty="0"/>
               <a:t>RESET</a:t>
             </a:r>
           </a:p>
           <a:p>
             <a:pPr lvl="1"/>
             <a:r>
-              <a:rPr lang="es-EC" dirty="0" smtClean="0"/>
+              <a:rPr lang="es-EC" dirty="0"/>
               <a:t>RM</a:t>
             </a:r>
           </a:p>
           <a:p>
             <a:pPr lvl="1"/>
             <a:r>
-              <a:rPr lang="es-EC" dirty="0" smtClean="0"/>
+              <a:rPr lang="es-EC" dirty="0"/>
               <a:t>MV</a:t>
             </a:r>
           </a:p>
           <a:p>
             <a:pPr lvl="1"/>
             <a:r>
-              <a:rPr lang="es-EC" dirty="0" smtClean="0"/>
+              <a:rPr lang="es-EC" dirty="0"/>
               <a:t>.</a:t>
             </a:r>
             <a:r>
-              <a:rPr lang="es-EC" dirty="0" err="1" smtClean="0"/>
+              <a:rPr lang="es-EC" dirty="0" err="1"/>
               <a:t>gitignore</a:t>
             </a:r>
             <a:endParaRPr lang="es-EC" dirty="0"/>
@@ -4675,10 +4864,9 @@
           <a:lstStyle/>
           <a:p>
             <a:r>
-              <a:rPr lang="es-EC" dirty="0" smtClean="0"/>
+              <a:rPr lang="es-EC" dirty="0"/>
               <a:t>1.3.3 GIT COMANDOS</a:t>
             </a:r>
-            <a:endParaRPr lang="es-EC" dirty="0"/>
           </a:p>
         </p:txBody>
       </p:sp>
@@ -4692,17 +4880,10 @@
   <p:clrMapOvr>
     <a:masterClrMapping/>
   </p:clrMapOvr>
-  <p:timing>
-    <p:tnLst>
-      <p:par>
-        <p:cTn id="1" dur="indefinite" restart="never" nodeType="tmRoot"/>
-      </p:par>
-    </p:tnLst>
-  </p:timing>
 </p:sld>
 </file>
 
-<file path=ppt/slides/slide12.xml><?xml version="1.0" encoding="utf-8"?>
+<file path=ppt/slides/slide13.xml><?xml version="1.0" encoding="utf-8"?>
 <p:sld xmlns:a="http://schemas.openxmlformats.org/drawingml/2006/main" xmlns:r="http://schemas.openxmlformats.org/officeDocument/2006/relationships" xmlns:p="http://schemas.openxmlformats.org/presentationml/2006/main">
   <p:cSld>
     <p:spTree>
@@ -4735,11 +4916,11 @@
           <a:lstStyle/>
           <a:p>
             <a:r>
-              <a:rPr lang="es-EC" dirty="0" smtClean="0"/>
+              <a:rPr lang="es-EC" dirty="0"/>
               <a:t>1.3.4</a:t>
             </a:r>
             <a:r>
-              <a:rPr lang="es-EC" baseline="0" dirty="0" smtClean="0"/>
+              <a:rPr lang="es-EC" baseline="0" dirty="0"/>
               <a:t> GIT EJERCICIOS</a:t>
             </a:r>
             <a:endParaRPr lang="es-EC" dirty="0"/>
@@ -4762,33 +4943,21 @@
           <a:lstStyle/>
           <a:p>
             <a:r>
-              <a:rPr lang="es-EC" dirty="0" smtClean="0"/>
+              <a:rPr lang="es-EC" dirty="0"/>
               <a:t>LOCAL</a:t>
             </a:r>
-            <a:endParaRPr lang="es-EC" dirty="0" smtClean="0">
+            <a:endParaRPr lang="es-EC" dirty="0">
               <a:hlinkClick r:id="rId2"/>
             </a:endParaRPr>
           </a:p>
           <a:p>
-            <a:r>
-              <a:rPr lang="es-EC" dirty="0" smtClean="0">
-                <a:hlinkClick r:id="rId2"/>
-              </a:rPr>
-              <a:t>https</a:t>
-            </a:r>
             <a:r>
               <a:rPr lang="es-EC" dirty="0">
                 <a:hlinkClick r:id="rId2"/>
               </a:rPr>
-              <a:t>://</a:t>
-            </a:r>
-            <a:r>
-              <a:rPr lang="es-EC" dirty="0" smtClean="0">
-                <a:hlinkClick r:id="rId2"/>
-              </a:rPr>
-              <a:t>github.com</a:t>
-            </a:r>
-            <a:endParaRPr lang="es-EC" dirty="0" smtClean="0"/>
+              <a:t>https://github.com</a:t>
+            </a:r>
+            <a:endParaRPr lang="es-EC" dirty="0"/>
           </a:p>
           <a:p>
             <a:r>
@@ -4811,13 +4980,6 @@
   <p:clrMapOvr>
     <a:masterClrMapping/>
   </p:clrMapOvr>
-  <p:timing>
-    <p:tnLst>
-      <p:par>
-        <p:cTn id="1" dur="indefinite" restart="never" nodeType="tmRoot"/>
-      </p:par>
-    </p:tnLst>
-  </p:timing>
 </p:sld>
 </file>
 
@@ -4854,10 +5016,9 @@
           <a:lstStyle/>
           <a:p>
             <a:r>
-              <a:rPr lang="es-EC" dirty="0" smtClean="0"/>
+              <a:rPr lang="es-EC" dirty="0"/>
               <a:t>TEMA 1 FUNDAMENTOS PROGRAMACIÓN</a:t>
             </a:r>
-            <a:endParaRPr lang="es-EC" dirty="0"/>
           </a:p>
         </p:txBody>
       </p:sp>
@@ -4880,48 +5041,40 @@
               <a:buNone/>
             </a:pPr>
             <a:r>
-              <a:rPr lang="es-EC" b="1" dirty="0" smtClean="0"/>
+              <a:rPr lang="es-EC" b="1" dirty="0"/>
               <a:t>OBJETIVO</a:t>
             </a:r>
           </a:p>
           <a:p>
             <a:r>
-              <a:rPr lang="es-ES" b="1" dirty="0" smtClean="0"/>
-              <a:t>Conocer </a:t>
-            </a:r>
-            <a:r>
               <a:rPr lang="es-ES" b="1" dirty="0"/>
-              <a:t>de forma general entornos de trabajo, ambientes, sitios </a:t>
-            </a:r>
-            <a:r>
-              <a:rPr lang="es-ES" b="1" dirty="0" smtClean="0"/>
-              <a:t>web</a:t>
+              <a:t>Conocer de forma general entornos de trabajo, ambientes, sitios web</a:t>
             </a:r>
           </a:p>
           <a:p>
             <a:pPr lvl="1"/>
             <a:r>
-              <a:rPr lang="es-EC" b="1" dirty="0" smtClean="0">
+              <a:rPr lang="es-EC" b="1" dirty="0">
                 <a:hlinkClick r:id="rId2" action="ppaction://hlinksldjump"/>
               </a:rPr>
               <a:t>HERRAMIENTAS</a:t>
             </a:r>
-            <a:endParaRPr lang="es-EC" b="1" dirty="0" smtClean="0"/>
+            <a:endParaRPr lang="es-EC" b="1" dirty="0"/>
           </a:p>
           <a:p>
             <a:pPr lvl="1"/>
             <a:r>
-              <a:rPr lang="es-EC" b="1" dirty="0" smtClean="0">
+              <a:rPr lang="es-EC" b="1" dirty="0">
                 <a:hlinkClick r:id="rId3" action="ppaction://hlinksldjump"/>
               </a:rPr>
               <a:t>FUNDAMENTOS DESARROLLO WEB</a:t>
             </a:r>
-            <a:endParaRPr lang="es-EC" b="1" dirty="0" smtClean="0"/>
+            <a:endParaRPr lang="es-EC" b="1" dirty="0"/>
           </a:p>
           <a:p>
             <a:pPr lvl="1"/>
             <a:r>
-              <a:rPr lang="es-EC" b="1" dirty="0" smtClean="0">
+              <a:rPr lang="es-EC" b="1" dirty="0">
                 <a:hlinkClick r:id="rId4" action="ppaction://hlinksldjump"/>
               </a:rPr>
               <a:t>GIT</a:t>
@@ -4940,13 +5093,6 @@
   <p:clrMapOvr>
     <a:masterClrMapping/>
   </p:clrMapOvr>
-  <p:timing>
-    <p:tnLst>
-      <p:par>
-        <p:cTn id="1" dur="indefinite" restart="never" nodeType="tmRoot"/>
-      </p:par>
-    </p:tnLst>
-  </p:timing>
 </p:sld>
 </file>
 
@@ -4990,10 +5136,9 @@
           <a:lstStyle/>
           <a:p>
             <a:r>
-              <a:rPr lang="es-EC" dirty="0" smtClean="0"/>
+              <a:rPr lang="es-EC" dirty="0"/>
               <a:t>1.1 HERRAMIENTAS</a:t>
             </a:r>
-            <a:endParaRPr lang="es-EC" dirty="0"/>
           </a:p>
         </p:txBody>
       </p:sp>
@@ -5020,10 +5165,9 @@
           <a:lstStyle/>
           <a:p>
             <a:r>
-              <a:rPr lang="es-EC" dirty="0" smtClean="0"/>
+              <a:rPr lang="es-EC" dirty="0"/>
               <a:t>TEMA1 FUNDAMENTOS PROGRAMACIÓN</a:t>
             </a:r>
-            <a:endParaRPr lang="es-EC" dirty="0"/>
           </a:p>
         </p:txBody>
       </p:sp>
@@ -5306,10 +5450,9 @@
           <a:lstStyle/>
           <a:p>
             <a:r>
-              <a:rPr lang="es-EC" dirty="0" smtClean="0"/>
+              <a:rPr lang="es-EC" dirty="0"/>
               <a:t>VISUAL STUDIO CODE</a:t>
             </a:r>
-            <a:endParaRPr lang="es-EC" dirty="0"/>
           </a:p>
         </p:txBody>
       </p:sp>
@@ -5592,10 +5735,9 @@
           <a:lstStyle/>
           <a:p>
             <a:r>
-              <a:rPr lang="es-EC" dirty="0" smtClean="0"/>
+              <a:rPr lang="es-EC" dirty="0"/>
               <a:t>XAMPP</a:t>
             </a:r>
-            <a:endParaRPr lang="es-EC" dirty="0"/>
           </a:p>
         </p:txBody>
       </p:sp>
@@ -5801,13 +5943,6 @@
   <p:clrMapOvr>
     <a:masterClrMapping/>
   </p:clrMapOvr>
-  <p:timing>
-    <p:tnLst>
-      <p:par>
-        <p:cTn id="1" dur="indefinite" restart="never" nodeType="tmRoot"/>
-      </p:par>
-    </p:tnLst>
-  </p:timing>
 </p:sld>
 </file>
 
@@ -5844,11 +5979,11 @@
           <a:lstStyle/>
           <a:p>
             <a:r>
-              <a:rPr lang="es-EC" dirty="0" smtClean="0"/>
+              <a:rPr lang="es-EC" dirty="0"/>
               <a:t>1.2</a:t>
             </a:r>
             <a:r>
-              <a:rPr lang="es-EC" baseline="0" dirty="0" smtClean="0"/>
+              <a:rPr lang="es-EC" baseline="0" dirty="0"/>
               <a:t> PROGRAMACION BASICA</a:t>
             </a:r>
             <a:endParaRPr lang="es-EC" dirty="0"/>
@@ -5871,74 +6006,74 @@
           <a:lstStyle/>
           <a:p>
             <a:r>
-              <a:rPr lang="es-EC" dirty="0" smtClean="0"/>
+              <a:rPr lang="es-EC" dirty="0"/>
               <a:t>HTML</a:t>
             </a:r>
           </a:p>
           <a:p>
             <a:pPr lvl="1"/>
             <a:r>
-              <a:rPr lang="es-EC" dirty="0" err="1" smtClean="0"/>
+              <a:rPr lang="es-EC" dirty="0" err="1"/>
               <a:t>about:blank</a:t>
             </a:r>
-            <a:endParaRPr lang="es-EC" dirty="0" smtClean="0"/>
-          </a:p>
-          <a:p>
-            <a:r>
-              <a:rPr lang="es-EC" dirty="0" smtClean="0"/>
+            <a:endParaRPr lang="es-EC" dirty="0"/>
+          </a:p>
+          <a:p>
+            <a:r>
+              <a:rPr lang="es-EC" dirty="0"/>
               <a:t>CSS</a:t>
             </a:r>
           </a:p>
           <a:p>
             <a:pPr lvl="1"/>
             <a:r>
-              <a:rPr lang="es-EC" dirty="0" err="1" smtClean="0"/>
+              <a:rPr lang="es-EC" dirty="0" err="1"/>
               <a:t>Inline</a:t>
             </a:r>
-            <a:endParaRPr lang="es-EC" dirty="0" smtClean="0"/>
+            <a:endParaRPr lang="es-EC" dirty="0"/>
           </a:p>
           <a:p>
             <a:pPr lvl="1"/>
             <a:r>
-              <a:rPr lang="es-EC" dirty="0" err="1" smtClean="0"/>
+              <a:rPr lang="es-EC" dirty="0" err="1"/>
               <a:t>Indocument</a:t>
             </a:r>
-            <a:endParaRPr lang="es-EC" dirty="0" smtClean="0"/>
+            <a:endParaRPr lang="es-EC" dirty="0"/>
           </a:p>
           <a:p>
             <a:pPr lvl="1"/>
             <a:r>
-              <a:rPr lang="es-EC" dirty="0" smtClean="0"/>
+              <a:rPr lang="es-EC" dirty="0"/>
               <a:t>.</a:t>
             </a:r>
             <a:r>
-              <a:rPr lang="es-EC" dirty="0" err="1" smtClean="0"/>
+              <a:rPr lang="es-EC" dirty="0" err="1"/>
               <a:t>css</a:t>
             </a:r>
             <a:endParaRPr lang="es-EC" dirty="0"/>
           </a:p>
           <a:p>
             <a:r>
-              <a:rPr lang="es-EC" dirty="0" smtClean="0"/>
+              <a:rPr lang="es-EC" dirty="0"/>
               <a:t>JAVASCRIP JS</a:t>
             </a:r>
           </a:p>
           <a:p>
             <a:pPr lvl="1"/>
             <a:r>
-              <a:rPr lang="es-EC" dirty="0" err="1" smtClean="0"/>
+              <a:rPr lang="es-EC" dirty="0" err="1"/>
               <a:t>Inline</a:t>
             </a:r>
-            <a:endParaRPr lang="es-EC" dirty="0" smtClean="0"/>
+            <a:endParaRPr lang="es-EC" dirty="0"/>
           </a:p>
           <a:p>
             <a:pPr lvl="1"/>
             <a:r>
-              <a:rPr lang="es-EC" dirty="0" smtClean="0"/>
+              <a:rPr lang="es-EC" dirty="0"/>
               <a:t>.</a:t>
             </a:r>
             <a:r>
-              <a:rPr lang="es-EC" dirty="0" err="1" smtClean="0"/>
+              <a:rPr lang="es-EC" dirty="0" err="1"/>
               <a:t>js</a:t>
             </a:r>
             <a:endParaRPr lang="es-EC" dirty="0"/>
@@ -5996,13 +6131,6 @@
   <p:clrMapOvr>
     <a:masterClrMapping/>
   </p:clrMapOvr>
-  <p:timing>
-    <p:tnLst>
-      <p:par>
-        <p:cTn id="1" dur="indefinite" restart="never" nodeType="tmRoot"/>
-      </p:par>
-    </p:tnLst>
-  </p:timing>
 </p:sld>
 </file>
 
@@ -6039,10 +6167,9 @@
           <a:lstStyle/>
           <a:p>
             <a:r>
-              <a:rPr lang="es-EC" dirty="0" smtClean="0"/>
+              <a:rPr lang="es-EC" dirty="0"/>
               <a:t>1.2.1 HTML</a:t>
             </a:r>
-            <a:endParaRPr lang="es-EC" dirty="0"/>
           </a:p>
         </p:txBody>
       </p:sp>
@@ -6222,10 +6349,9 @@
           <a:lstStyle/>
           <a:p>
             <a:r>
-              <a:rPr lang="es-EC" sz="3600" dirty="0" smtClean="0"/>
+              <a:rPr lang="es-EC" sz="3600" dirty="0"/>
               <a:t>EJEMPLO1 Y 2</a:t>
             </a:r>
-            <a:endParaRPr lang="es-EC" sz="3600" dirty="0"/>
           </a:p>
         </p:txBody>
       </p:sp>
@@ -6239,13 +6365,6 @@
   <p:clrMapOvr>
     <a:masterClrMapping/>
   </p:clrMapOvr>
-  <p:timing>
-    <p:tnLst>
-      <p:par>
-        <p:cTn id="1" dur="indefinite" restart="never" nodeType="tmRoot"/>
-      </p:par>
-    </p:tnLst>
-  </p:timing>
 </p:sld>
 </file>
 
@@ -6282,10 +6401,9 @@
           <a:lstStyle/>
           <a:p>
             <a:r>
-              <a:rPr lang="es-EC" dirty="0" smtClean="0"/>
+              <a:rPr lang="es-EC" dirty="0"/>
               <a:t>1.2.2 CSS</a:t>
             </a:r>
-            <a:endParaRPr lang="es-EC" dirty="0"/>
           </a:p>
         </p:txBody>
       </p:sp>
@@ -6504,10 +6622,9 @@
           <a:lstStyle/>
           <a:p>
             <a:r>
-              <a:rPr lang="es-EC" sz="3600" dirty="0" smtClean="0"/>
+              <a:rPr lang="es-EC" sz="3600" dirty="0"/>
               <a:t>EJEMPLO 2 CON CSS</a:t>
             </a:r>
-            <a:endParaRPr lang="es-EC" sz="3600" dirty="0"/>
           </a:p>
         </p:txBody>
       </p:sp>
@@ -6521,13 +6638,6 @@
   <p:clrMapOvr>
     <a:masterClrMapping/>
   </p:clrMapOvr>
-  <p:timing>
-    <p:tnLst>
-      <p:par>
-        <p:cTn id="1" dur="indefinite" restart="never" nodeType="tmRoot"/>
-      </p:par>
-    </p:tnLst>
-  </p:timing>
 </p:sld>
 </file>
 
@@ -6564,10 +6674,9 @@
           <a:lstStyle/>
           <a:p>
             <a:r>
-              <a:rPr lang="es-EC" dirty="0" smtClean="0"/>
+              <a:rPr lang="es-EC" dirty="0"/>
               <a:t>1.2.3 JAVASCRIPT JS</a:t>
             </a:r>
-            <a:endParaRPr lang="es-EC" dirty="0"/>
           </a:p>
         </p:txBody>
       </p:sp>
@@ -6688,19 +6797,7 @@
             </a:r>
             <a:r>
               <a:rPr lang="es-EC" sz="2800" b="1" dirty="0"/>
-              <a:t> </a:t>
-            </a:r>
-            <a:r>
-              <a:rPr lang="es-EC" sz="2800" b="1" dirty="0" smtClean="0"/>
-              <a:t>5 </a:t>
-            </a:r>
-            <a:r>
-              <a:rPr lang="es-EC" sz="2800" b="1" dirty="0"/>
-              <a:t>(</a:t>
-            </a:r>
-            <a:r>
-              <a:rPr lang="es-EC" sz="2800" b="1" dirty="0" smtClean="0"/>
-              <a:t>ES5)</a:t>
+              <a:t> 5 (ES5)</a:t>
             </a:r>
           </a:p>
           <a:p>
@@ -6732,24 +6829,15 @@
               <a:rPr lang="pt-BR" sz="2800" dirty="0"/>
               <a:t> num + num; } </a:t>
             </a:r>
-            <a:endParaRPr lang="pt-BR" sz="2800" dirty="0" smtClean="0"/>
-          </a:p>
-          <a:p>
-            <a:r>
-              <a:rPr lang="es-EC" sz="2800" b="1" dirty="0" err="1" smtClean="0"/>
+          </a:p>
+          <a:p>
+            <a:r>
+              <a:rPr lang="es-EC" sz="2800" b="1" dirty="0" err="1"/>
               <a:t>ECMAScript</a:t>
             </a:r>
             <a:r>
-              <a:rPr lang="es-EC" sz="2800" b="1" dirty="0" smtClean="0"/>
-              <a:t> </a:t>
-            </a:r>
-            <a:r>
               <a:rPr lang="es-EC" sz="2800" b="1" dirty="0"/>
-              <a:t>6 (</a:t>
-            </a:r>
-            <a:r>
-              <a:rPr lang="es-EC" sz="2800" b="1" dirty="0" smtClean="0"/>
-              <a:t>ES6</a:t>
+              <a:t> 6 (ES6</a:t>
             </a:r>
           </a:p>
           <a:p>
@@ -6775,18 +6863,332 @@
           </a:p>
         </p:txBody>
       </p:sp>
-      <p:sp>
-        <p:nvSpPr>
-          <p:cNvPr id="6" name="Rectangle 1"/>
-          <p:cNvSpPr>
-            <a:spLocks noChangeArrowheads="1"/>
-          </p:cNvSpPr>
+    </p:spTree>
+    <p:extLst>
+      <p:ext uri="{BB962C8B-B14F-4D97-AF65-F5344CB8AC3E}">
+        <p14:creationId xmlns:p14="http://schemas.microsoft.com/office/powerpoint/2010/main" val="17035338"/>
+      </p:ext>
+    </p:extLst>
+  </p:cSld>
+  <p:clrMapOvr>
+    <a:masterClrMapping/>
+  </p:clrMapOvr>
+</p:sld>
+</file>
+
+<file path=ppt/slides/slide8.xml><?xml version="1.0" encoding="utf-8"?>
+<p:sld xmlns:a="http://schemas.openxmlformats.org/drawingml/2006/main" xmlns:r="http://schemas.openxmlformats.org/officeDocument/2006/relationships" xmlns:p="http://schemas.openxmlformats.org/presentationml/2006/main">
+  <p:cSld>
+    <p:spTree>
+      <p:nvGrpSpPr>
+        <p:cNvPr id="1" name=""/>
+        <p:cNvGrpSpPr/>
+        <p:nvPr/>
+      </p:nvGrpSpPr>
+      <p:grpSpPr>
+        <a:xfrm>
+          <a:off x="0" y="0"/>
+          <a:ext cx="0" cy="0"/>
+          <a:chOff x="0" y="0"/>
+          <a:chExt cx="0" cy="0"/>
+        </a:xfrm>
+      </p:grpSpPr>
+      <p:sp>
+        <p:nvSpPr>
+          <p:cNvPr id="2" name="Title 1">
+            <a:extLst>
+              <a:ext uri="{FF2B5EF4-FFF2-40B4-BE49-F238E27FC236}">
+                <a16:creationId xmlns:a16="http://schemas.microsoft.com/office/drawing/2014/main" id="{9E07F87C-EF91-42B3-AF12-7736B2F9D604}"/>
+              </a:ext>
+            </a:extLst>
+          </p:cNvPr>
+          <p:cNvSpPr>
+            <a:spLocks noGrp="1"/>
+          </p:cNvSpPr>
+          <p:nvPr>
+            <p:ph type="title"/>
+          </p:nvPr>
+        </p:nvSpPr>
+        <p:spPr/>
+        <p:txBody>
+          <a:bodyPr/>
+          <a:lstStyle/>
+          <a:p>
+            <a:r>
+              <a:rPr lang="es-EC" dirty="0"/>
+              <a:t>1.2.3 JS JAVASCRIPT ES5</a:t>
+            </a:r>
+          </a:p>
+        </p:txBody>
+      </p:sp>
+      <p:sp>
+        <p:nvSpPr>
+          <p:cNvPr id="3" name="Content Placeholder 2">
+            <a:extLst>
+              <a:ext uri="{FF2B5EF4-FFF2-40B4-BE49-F238E27FC236}">
+                <a16:creationId xmlns:a16="http://schemas.microsoft.com/office/drawing/2014/main" id="{CA1EBF06-6A8A-4804-959C-704C47AAF032}"/>
+              </a:ext>
+            </a:extLst>
+          </p:cNvPr>
+          <p:cNvSpPr>
+            <a:spLocks noGrp="1"/>
+          </p:cNvSpPr>
+          <p:nvPr>
+            <p:ph idx="1"/>
+          </p:nvPr>
+        </p:nvSpPr>
+        <p:spPr>
+          <a:xfrm>
+            <a:off x="457200" y="1882808"/>
+            <a:ext cx="6275040" cy="4572000"/>
+          </a:xfrm>
+        </p:spPr>
+        <p:txBody>
+          <a:bodyPr/>
+          <a:lstStyle/>
+          <a:p>
+            <a:r>
+              <a:rPr lang="es-EC" dirty="0"/>
+              <a:t>OBJETOS </a:t>
+            </a:r>
+          </a:p>
+          <a:p>
+            <a:endParaRPr lang="es-EC" dirty="0"/>
+          </a:p>
+        </p:txBody>
+      </p:sp>
+      <p:pic>
+        <p:nvPicPr>
+          <p:cNvPr id="6" name="Picture 5">
+            <a:extLst>
+              <a:ext uri="{FF2B5EF4-FFF2-40B4-BE49-F238E27FC236}">
+                <a16:creationId xmlns:a16="http://schemas.microsoft.com/office/drawing/2014/main" id="{065B9B82-6503-4139-B5A9-32E0471B2FA4}"/>
+              </a:ext>
+            </a:extLst>
+          </p:cNvPr>
+          <p:cNvPicPr>
+            <a:picLocks noChangeAspect="1"/>
+          </p:cNvPicPr>
           <p:nvPr/>
-        </p:nvSpPr>
+        </p:nvPicPr>
+        <p:blipFill>
+          <a:blip r:embed="rId2"/>
+          <a:stretch>
+            <a:fillRect/>
+          </a:stretch>
+        </p:blipFill>
+        <p:spPr>
+          <a:xfrm>
+            <a:off x="179512" y="2420888"/>
+            <a:ext cx="6662778" cy="4437112"/>
+          </a:xfrm>
+          <a:prstGeom prst="rect">
+            <a:avLst/>
+          </a:prstGeom>
+        </p:spPr>
+      </p:pic>
+      <p:sp>
+        <p:nvSpPr>
+          <p:cNvPr id="7" name="TextBox 6">
+            <a:extLst>
+              <a:ext uri="{FF2B5EF4-FFF2-40B4-BE49-F238E27FC236}">
+                <a16:creationId xmlns:a16="http://schemas.microsoft.com/office/drawing/2014/main" id="{22537B7D-E8E6-4382-AFA5-4046EE18B9F8}"/>
+              </a:ext>
+            </a:extLst>
+          </p:cNvPr>
+          <p:cNvSpPr txBox="1"/>
+          <p:nvPr/>
+        </p:nvSpPr>
+        <p:spPr>
+          <a:xfrm>
+            <a:off x="6893509" y="3059131"/>
+            <a:ext cx="2232248" cy="1569660"/>
+          </a:xfrm>
+          <a:prstGeom prst="rect">
+            <a:avLst/>
+          </a:prstGeom>
+          <a:noFill/>
+        </p:spPr>
+        <p:txBody>
+          <a:bodyPr wrap="square" rtlCol="0">
+            <a:spAutoFit/>
+          </a:bodyPr>
+          <a:lstStyle/>
+          <a:p>
+            <a:pPr algn="ctr"/>
+            <a:r>
+              <a:rPr lang="es-EC" sz="2400" dirty="0"/>
+              <a:t>EJEMPLO-3-JS</a:t>
+            </a:r>
+          </a:p>
+          <a:p>
+            <a:pPr algn="ctr"/>
+            <a:endParaRPr lang="es-EC" sz="2400" dirty="0"/>
+          </a:p>
+          <a:p>
+            <a:pPr algn="ctr"/>
+            <a:r>
+              <a:rPr lang="es-EC" sz="2400" dirty="0"/>
+              <a:t>EJEMPLO-4-JS -CANVAS</a:t>
+            </a:r>
+          </a:p>
+        </p:txBody>
+      </p:sp>
+    </p:spTree>
+    <p:extLst>
+      <p:ext uri="{BB962C8B-B14F-4D97-AF65-F5344CB8AC3E}">
+        <p14:creationId xmlns:p14="http://schemas.microsoft.com/office/powerpoint/2010/main" val="778081286"/>
+      </p:ext>
+    </p:extLst>
+  </p:cSld>
+  <p:clrMapOvr>
+    <a:masterClrMapping/>
+  </p:clrMapOvr>
+</p:sld>
+</file>
+
+<file path=ppt/slides/slide9.xml><?xml version="1.0" encoding="utf-8"?>
+<p:sld xmlns:a="http://schemas.openxmlformats.org/drawingml/2006/main" xmlns:r="http://schemas.openxmlformats.org/officeDocument/2006/relationships" xmlns:p="http://schemas.openxmlformats.org/presentationml/2006/main">
+  <p:cSld>
+    <p:spTree>
+      <p:nvGrpSpPr>
+        <p:cNvPr id="1" name=""/>
+        <p:cNvGrpSpPr/>
+        <p:nvPr/>
+      </p:nvGrpSpPr>
+      <p:grpSpPr>
+        <a:xfrm>
+          <a:off x="0" y="0"/>
+          <a:ext cx="0" cy="0"/>
+          <a:chOff x="0" y="0"/>
+          <a:chExt cx="0" cy="0"/>
+        </a:xfrm>
+      </p:grpSpPr>
+      <p:sp>
+        <p:nvSpPr>
+          <p:cNvPr id="3" name="2 Marcador de contenido"/>
+          <p:cNvSpPr>
+            <a:spLocks noGrp="1"/>
+          </p:cNvSpPr>
+          <p:nvPr>
+            <p:ph idx="1"/>
+          </p:nvPr>
+        </p:nvSpPr>
+        <p:spPr>
+          <a:xfrm>
+            <a:off x="457200" y="2734978"/>
+            <a:ext cx="8229600" cy="3719829"/>
+          </a:xfrm>
+        </p:spPr>
+        <p:txBody>
+          <a:bodyPr>
+            <a:normAutofit fontScale="92500" lnSpcReduction="10000"/>
+          </a:bodyPr>
+          <a:lstStyle/>
+          <a:p>
+            <a:r>
+              <a:rPr lang="es-EC" dirty="0"/>
+              <a:t>Velocidad, facilidad, seguridad, mas usado.</a:t>
+            </a:r>
+          </a:p>
+          <a:p>
+            <a:r>
+              <a:rPr lang="es-EC" dirty="0"/>
+              <a:t>Trazabilidad, control de cambios.</a:t>
+            </a:r>
+          </a:p>
+          <a:p>
+            <a:r>
+              <a:rPr lang="es-EC" dirty="0"/>
+              <a:t>Repositorios mas conocidos</a:t>
+            </a:r>
+          </a:p>
+          <a:p>
+            <a:pPr lvl="1"/>
+            <a:r>
+              <a:rPr lang="es-EC" dirty="0"/>
+              <a:t>GITHUB</a:t>
+            </a:r>
+          </a:p>
+          <a:p>
+            <a:pPr lvl="1"/>
+            <a:r>
+              <a:rPr lang="es-EC" dirty="0"/>
+              <a:t>BITBUCKET</a:t>
+            </a:r>
+          </a:p>
+          <a:p>
+            <a:pPr lvl="1"/>
+            <a:r>
+              <a:rPr lang="es-EC" dirty="0"/>
+              <a:t>GITLAG</a:t>
+            </a:r>
+          </a:p>
+          <a:p>
+            <a:r>
+              <a:rPr lang="es-EC" dirty="0"/>
+              <a:t>https://git-scm.com/</a:t>
+            </a:r>
+          </a:p>
+          <a:p>
+            <a:endParaRPr lang="es-EC" dirty="0"/>
+          </a:p>
+        </p:txBody>
+      </p:sp>
+      <p:sp>
+        <p:nvSpPr>
+          <p:cNvPr id="5" name="4 CuadroTexto"/>
+          <p:cNvSpPr txBox="1"/>
+          <p:nvPr/>
+        </p:nvSpPr>
+        <p:spPr>
+          <a:xfrm>
+            <a:off x="3376930" y="3974"/>
+            <a:ext cx="5400600" cy="369332"/>
+          </a:xfrm>
+          <a:prstGeom prst="rect">
+            <a:avLst/>
+          </a:prstGeom>
+          <a:noFill/>
+        </p:spPr>
+        <p:txBody>
+          <a:bodyPr wrap="square" rtlCol="0">
+            <a:spAutoFit/>
+          </a:bodyPr>
+          <a:lstStyle/>
+          <a:p>
+            <a:r>
+              <a:rPr lang="es-EC" dirty="0"/>
+              <a:t>TEMA1 FUNDAMENTOS PROGRAMACIÓN</a:t>
+            </a:r>
+          </a:p>
+        </p:txBody>
+      </p:sp>
+      <p:pic>
+        <p:nvPicPr>
+          <p:cNvPr id="8" name="Picture 6"/>
+          <p:cNvPicPr>
+            <a:picLocks noChangeAspect="1" noChangeArrowheads="1"/>
+          </p:cNvPicPr>
+          <p:nvPr/>
+        </p:nvPicPr>
+        <p:blipFill>
+          <a:blip r:embed="rId2">
+            <a:extLst>
+              <a:ext uri="{28A0092B-C50C-407E-A947-70E740481C1C}">
+                <a14:useLocalDpi xmlns:a14="http://schemas.microsoft.com/office/drawing/2010/main" val="0"/>
+              </a:ext>
+            </a:extLst>
+          </a:blip>
+          <a:srcRect/>
+          <a:stretch>
+            <a:fillRect/>
+          </a:stretch>
+        </p:blipFill>
         <p:spPr bwMode="auto">
           <a:xfrm>
-            <a:off x="0" y="0"/>
-            <a:ext cx="9144000" cy="457200"/>
+            <a:off x="5652120" y="692695"/>
+            <a:ext cx="3322712" cy="2042283"/>
           </a:xfrm>
           <a:prstGeom prst="rect">
             <a:avLst/>
@@ -6825,178 +7227,17 @@
             </a:ext>
           </a:extLst>
         </p:spPr>
-        <p:txBody>
-          <a:bodyPr vert="horz" wrap="none" lIns="91440" tIns="45720" rIns="91440" bIns="45720" numCol="1" anchor="ctr" anchorCtr="0" compatLnSpc="1">
-            <a:prstTxWarp prst="textNoShape">
-              <a:avLst/>
-            </a:prstTxWarp>
-            <a:spAutoFit/>
-          </a:bodyPr>
-          <a:lstStyle/>
-          <a:p>
-            <a:pPr marL="0" marR="0" lvl="0" indent="0" algn="l" defTabSz="914400" rtl="0" eaLnBrk="1" fontAlgn="base" latinLnBrk="0" hangingPunct="1">
-              <a:lnSpc>
-                <a:spcPct val="100000"/>
-              </a:lnSpc>
-              <a:spcBef>
-                <a:spcPct val="0"/>
-              </a:spcBef>
-              <a:spcAft>
-                <a:spcPct val="0"/>
-              </a:spcAft>
-              <a:buClrTx/>
-              <a:buSzTx/>
-              <a:buFontTx/>
-              <a:buNone/>
-              <a:tabLst/>
-            </a:pPr>
-            <a:r>
-              <a:rPr kumimoji="0" lang="es-EC" sz="1000" b="0" i="0" u="none" strike="noStrike" cap="none" normalizeH="0" baseline="0" smtClean="0">
-                <a:ln>
-                  <a:noFill/>
-                </a:ln>
-                <a:solidFill>
-                  <a:schemeClr val="tx1"/>
-                </a:solidFill>
-                <a:effectLst/>
-                <a:latin typeface="Arial Unicode MS" pitchFamily="34" charset="-128"/>
-                <a:cs typeface="Arial" pitchFamily="34" charset="0"/>
-              </a:rPr>
-              <a:t>// ES5 var miFuncion = function(num) { return num + num; } // ES6 var miFuncion = (num) =&gt; num + num; </a:t>
-            </a:r>
-            <a:endParaRPr kumimoji="0" lang="es-EC" sz="1800" b="0" i="0" u="none" strike="noStrike" cap="none" normalizeH="0" baseline="0" smtClean="0">
-              <a:ln>
-                <a:noFill/>
-              </a:ln>
-              <a:solidFill>
-                <a:schemeClr val="tx1"/>
-              </a:solidFill>
-              <a:effectLst/>
-              <a:latin typeface="Arial" pitchFamily="34" charset="0"/>
-              <a:cs typeface="Arial" pitchFamily="34" charset="0"/>
-            </a:endParaRPr>
-          </a:p>
-        </p:txBody>
-      </p:sp>
-    </p:spTree>
-    <p:extLst>
-      <p:ext uri="{BB962C8B-B14F-4D97-AF65-F5344CB8AC3E}">
-        <p14:creationId xmlns:p14="http://schemas.microsoft.com/office/powerpoint/2010/main" val="17035338"/>
-      </p:ext>
-    </p:extLst>
-  </p:cSld>
-  <p:clrMapOvr>
-    <a:masterClrMapping/>
-  </p:clrMapOvr>
-  <p:timing>
-    <p:tnLst>
-      <p:par>
-        <p:cTn id="1" dur="indefinite" restart="never" nodeType="tmRoot"/>
-      </p:par>
-    </p:tnLst>
-  </p:timing>
-</p:sld>
-</file>
-
-<file path=ppt/slides/slide8.xml><?xml version="1.0" encoding="utf-8"?>
-<p:sld xmlns:a="http://schemas.openxmlformats.org/drawingml/2006/main" xmlns:r="http://schemas.openxmlformats.org/officeDocument/2006/relationships" xmlns:p="http://schemas.openxmlformats.org/presentationml/2006/main">
-  <p:cSld>
-    <p:spTree>
-      <p:nvGrpSpPr>
-        <p:cNvPr id="1" name=""/>
-        <p:cNvGrpSpPr/>
-        <p:nvPr/>
-      </p:nvGrpSpPr>
-      <p:grpSpPr>
-        <a:xfrm>
-          <a:off x="0" y="0"/>
-          <a:ext cx="0" cy="0"/>
-          <a:chOff x="0" y="0"/>
-          <a:chExt cx="0" cy="0"/>
-        </a:xfrm>
-      </p:grpSpPr>
-      <p:sp>
-        <p:nvSpPr>
-          <p:cNvPr id="3" name="2 Marcador de contenido"/>
-          <p:cNvSpPr>
-            <a:spLocks noGrp="1"/>
-          </p:cNvSpPr>
-          <p:nvPr>
-            <p:ph idx="1"/>
-          </p:nvPr>
-        </p:nvSpPr>
-        <p:spPr>
-          <a:xfrm>
-            <a:off x="457200" y="2734978"/>
-            <a:ext cx="8229600" cy="3719829"/>
-          </a:xfrm>
-        </p:spPr>
-        <p:txBody>
-          <a:bodyPr>
-            <a:normAutofit fontScale="92500" lnSpcReduction="10000"/>
-          </a:bodyPr>
-          <a:lstStyle/>
-          <a:p>
-            <a:r>
-              <a:rPr lang="es-EC" dirty="0" smtClean="0"/>
-              <a:t>Velocidad, facilidad, seguridad, mas usado.</a:t>
-            </a:r>
-          </a:p>
-          <a:p>
-            <a:r>
-              <a:rPr lang="es-EC" dirty="0" smtClean="0"/>
-              <a:t>Trazabilidad, control de cambios.</a:t>
-            </a:r>
-          </a:p>
-          <a:p>
-            <a:r>
-              <a:rPr lang="es-EC" dirty="0" smtClean="0"/>
-              <a:t>Repositorios mas conocidos</a:t>
-            </a:r>
-          </a:p>
-          <a:p>
-            <a:pPr lvl="1"/>
-            <a:r>
-              <a:rPr lang="es-EC" dirty="0" smtClean="0"/>
-              <a:t>GITHUB</a:t>
-            </a:r>
-          </a:p>
-          <a:p>
-            <a:pPr lvl="1"/>
-            <a:r>
-              <a:rPr lang="es-EC" dirty="0" smtClean="0"/>
-              <a:t>BITBUCKET</a:t>
-            </a:r>
-          </a:p>
-          <a:p>
-            <a:pPr lvl="1"/>
-            <a:r>
-              <a:rPr lang="es-EC" dirty="0" smtClean="0"/>
-              <a:t>GITLAG</a:t>
-            </a:r>
-          </a:p>
-          <a:p>
-            <a:r>
-              <a:rPr lang="es-EC" dirty="0"/>
-              <a:t>https://git-scm.com/</a:t>
-            </a:r>
-            <a:endParaRPr lang="es-EC" dirty="0" smtClean="0"/>
-          </a:p>
-          <a:p>
-            <a:endParaRPr lang="es-EC" dirty="0"/>
-          </a:p>
-        </p:txBody>
-      </p:sp>
-      <p:sp>
-        <p:nvSpPr>
-          <p:cNvPr id="5" name="4 CuadroTexto"/>
+      </p:pic>
+      <p:sp>
+        <p:nvSpPr>
+          <p:cNvPr id="9" name="8 CuadroTexto"/>
           <p:cNvSpPr txBox="1"/>
           <p:nvPr/>
         </p:nvSpPr>
         <p:spPr>
           <a:xfrm>
-            <a:off x="3376930" y="3974"/>
-            <a:ext cx="5400600" cy="369332"/>
+            <a:off x="611560" y="1666526"/>
+            <a:ext cx="4392488" cy="1077218"/>
           </a:xfrm>
           <a:prstGeom prst="rect">
             <a:avLst/>
@@ -7010,104 +7251,9 @@
           <a:lstStyle/>
           <a:p>
             <a:r>
-              <a:rPr lang="es-EC" dirty="0" smtClean="0"/>
-              <a:t>TEMA1 FUNDAMENTOS PROGRAMACIÓN</a:t>
-            </a:r>
-            <a:endParaRPr lang="es-EC" dirty="0"/>
-          </a:p>
-        </p:txBody>
-      </p:sp>
-      <p:pic>
-        <p:nvPicPr>
-          <p:cNvPr id="8" name="Picture 6"/>
-          <p:cNvPicPr>
-            <a:picLocks noChangeAspect="1" noChangeArrowheads="1"/>
-          </p:cNvPicPr>
-          <p:nvPr/>
-        </p:nvPicPr>
-        <p:blipFill>
-          <a:blip r:embed="rId2">
-            <a:extLst>
-              <a:ext uri="{28A0092B-C50C-407E-A947-70E740481C1C}">
-                <a14:useLocalDpi xmlns:a14="http://schemas.microsoft.com/office/drawing/2010/main" val="0"/>
-              </a:ext>
-            </a:extLst>
-          </a:blip>
-          <a:srcRect/>
-          <a:stretch>
-            <a:fillRect/>
-          </a:stretch>
-        </p:blipFill>
-        <p:spPr bwMode="auto">
-          <a:xfrm>
-            <a:off x="5652120" y="692695"/>
-            <a:ext cx="3322712" cy="2042283"/>
-          </a:xfrm>
-          <a:prstGeom prst="rect">
-            <a:avLst/>
-          </a:prstGeom>
-          <a:noFill/>
-          <a:ln>
-            <a:noFill/>
-          </a:ln>
-          <a:effectLst/>
-          <a:extLst>
-            <a:ext uri="{909E8E84-426E-40DD-AFC4-6F175D3DCCD1}">
-              <a14:hiddenFill xmlns:a14="http://schemas.microsoft.com/office/drawing/2010/main">
-                <a:solidFill>
-                  <a:schemeClr val="accent1"/>
-                </a:solidFill>
-              </a14:hiddenFill>
-            </a:ext>
-            <a:ext uri="{91240B29-F687-4F45-9708-019B960494DF}">
-              <a14:hiddenLine xmlns:a14="http://schemas.microsoft.com/office/drawing/2010/main" w="9525">
-                <a:solidFill>
-                  <a:schemeClr val="tx1"/>
-                </a:solidFill>
-                <a:miter lim="800000"/>
-                <a:headEnd/>
-                <a:tailEnd/>
-              </a14:hiddenLine>
-            </a:ext>
-            <a:ext uri="{AF507438-7753-43E0-B8FC-AC1667EBCBE1}">
-              <a14:hiddenEffects xmlns:a14="http://schemas.microsoft.com/office/drawing/2010/main">
-                <a:effectLst>
-                  <a:outerShdw dist="35921" dir="2700000" algn="ctr" rotWithShape="0">
-                    <a:schemeClr val="bg2"/>
-                  </a:outerShdw>
-                </a:effectLst>
-              </a14:hiddenEffects>
-            </a:ext>
-          </a:extLst>
-        </p:spPr>
-      </p:pic>
-      <p:sp>
-        <p:nvSpPr>
-          <p:cNvPr id="9" name="8 CuadroTexto"/>
-          <p:cNvSpPr txBox="1"/>
-          <p:nvPr/>
-        </p:nvSpPr>
-        <p:spPr>
-          <a:xfrm>
-            <a:off x="611560" y="1666526"/>
-            <a:ext cx="4392488" cy="1077218"/>
-          </a:xfrm>
-          <a:prstGeom prst="rect">
-            <a:avLst/>
-          </a:prstGeom>
-          <a:noFill/>
-        </p:spPr>
-        <p:txBody>
-          <a:bodyPr wrap="square" rtlCol="0">
-            <a:spAutoFit/>
-          </a:bodyPr>
-          <a:lstStyle/>
-          <a:p>
-            <a:r>
-              <a:rPr lang="es-EC" sz="3200" b="1" dirty="0" smtClean="0"/>
+              <a:rPr lang="es-EC" sz="3200" b="1" dirty="0"/>
               <a:t>CONTROL DE VERSIONAMIENTO</a:t>
             </a:r>
-            <a:endParaRPr lang="es-EC" sz="3200" b="1" dirty="0"/>
           </a:p>
         </p:txBody>
       </p:sp>
@@ -7132,10 +7278,9 @@
           <a:lstStyle/>
           <a:p>
             <a:r>
-              <a:rPr lang="es-EC" dirty="0" smtClean="0"/>
+              <a:rPr lang="es-EC" dirty="0"/>
               <a:t>1.3 GIT</a:t>
             </a:r>
-            <a:endParaRPr lang="es-EC" dirty="0"/>
           </a:p>
         </p:txBody>
       </p:sp>
@@ -7149,212 +7294,6 @@
   <p:clrMapOvr>
     <a:masterClrMapping/>
   </p:clrMapOvr>
-  <p:timing>
-    <p:tnLst>
-      <p:par>
-        <p:cTn id="1" dur="indefinite" restart="never" nodeType="tmRoot"/>
-      </p:par>
-    </p:tnLst>
-  </p:timing>
-</p:sld>
-</file>
-
-<file path=ppt/slides/slide9.xml><?xml version="1.0" encoding="utf-8"?>
-<p:sld xmlns:a="http://schemas.openxmlformats.org/drawingml/2006/main" xmlns:r="http://schemas.openxmlformats.org/officeDocument/2006/relationships" xmlns:p="http://schemas.openxmlformats.org/presentationml/2006/main">
-  <p:cSld>
-    <p:spTree>
-      <p:nvGrpSpPr>
-        <p:cNvPr id="1" name=""/>
-        <p:cNvGrpSpPr/>
-        <p:nvPr/>
-      </p:nvGrpSpPr>
-      <p:grpSpPr>
-        <a:xfrm>
-          <a:off x="0" y="0"/>
-          <a:ext cx="0" cy="0"/>
-          <a:chOff x="0" y="0"/>
-          <a:chExt cx="0" cy="0"/>
-        </a:xfrm>
-      </p:grpSpPr>
-      <p:sp>
-        <p:nvSpPr>
-          <p:cNvPr id="5" name="4 CuadroTexto"/>
-          <p:cNvSpPr txBox="1"/>
-          <p:nvPr/>
-        </p:nvSpPr>
-        <p:spPr>
-          <a:xfrm>
-            <a:off x="3376930" y="3974"/>
-            <a:ext cx="5400600" cy="369332"/>
-          </a:xfrm>
-          <a:prstGeom prst="rect">
-            <a:avLst/>
-          </a:prstGeom>
-          <a:noFill/>
-        </p:spPr>
-        <p:txBody>
-          <a:bodyPr wrap="square" rtlCol="0">
-            <a:spAutoFit/>
-          </a:bodyPr>
-          <a:lstStyle/>
-          <a:p>
-            <a:r>
-              <a:rPr lang="es-EC" dirty="0" smtClean="0"/>
-              <a:t>TEMA1 FUNDAMENTOS PROGRAMACIÓN</a:t>
-            </a:r>
-            <a:endParaRPr lang="es-EC" dirty="0"/>
-          </a:p>
-        </p:txBody>
-      </p:sp>
-      <p:pic>
-        <p:nvPicPr>
-          <p:cNvPr id="3077" name="Picture 5" descr="Resultado de imagen para git"/>
-          <p:cNvPicPr>
-            <a:picLocks noChangeAspect="1" noChangeArrowheads="1"/>
-          </p:cNvPicPr>
-          <p:nvPr/>
-        </p:nvPicPr>
-        <p:blipFill>
-          <a:blip r:embed="rId2">
-            <a:extLst>
-              <a:ext uri="{28A0092B-C50C-407E-A947-70E740481C1C}">
-                <a14:useLocalDpi xmlns:a14="http://schemas.microsoft.com/office/drawing/2010/main" val="0"/>
-              </a:ext>
-            </a:extLst>
-          </a:blip>
-          <a:srcRect/>
-          <a:stretch>
-            <a:fillRect/>
-          </a:stretch>
-        </p:blipFill>
-        <p:spPr bwMode="auto">
-          <a:xfrm>
-            <a:off x="1763688" y="1484784"/>
-            <a:ext cx="6048672" cy="2700300"/>
-          </a:xfrm>
-          <a:prstGeom prst="rect">
-            <a:avLst/>
-          </a:prstGeom>
-          <a:noFill/>
-          <a:extLst>
-            <a:ext uri="{909E8E84-426E-40DD-AFC4-6F175D3DCCD1}">
-              <a14:hiddenFill xmlns:a14="http://schemas.microsoft.com/office/drawing/2010/main">
-                <a:solidFill>
-                  <a:srgbClr val="FFFFFF"/>
-                </a:solidFill>
-              </a14:hiddenFill>
-            </a:ext>
-          </a:extLst>
-        </p:spPr>
-      </p:pic>
-      <p:sp>
-        <p:nvSpPr>
-          <p:cNvPr id="6" name="5 Título"/>
-          <p:cNvSpPr>
-            <a:spLocks noGrp="1"/>
-          </p:cNvSpPr>
-          <p:nvPr>
-            <p:ph type="title"/>
-          </p:nvPr>
-        </p:nvSpPr>
-        <p:spPr/>
-        <p:txBody>
-          <a:bodyPr/>
-          <a:lstStyle/>
-          <a:p>
-            <a:r>
-              <a:rPr lang="es-EC" dirty="0" smtClean="0"/>
-              <a:t>1.3.1</a:t>
-            </a:r>
-            <a:r>
-              <a:rPr lang="es-EC" baseline="0" dirty="0" smtClean="0"/>
-              <a:t> GIT VERSIONES</a:t>
-            </a:r>
-            <a:endParaRPr lang="es-EC" dirty="0"/>
-          </a:p>
-        </p:txBody>
-      </p:sp>
-      <p:pic>
-        <p:nvPicPr>
-          <p:cNvPr id="3078" name="Picture 6"/>
-          <p:cNvPicPr>
-            <a:picLocks noChangeAspect="1" noChangeArrowheads="1"/>
-          </p:cNvPicPr>
-          <p:nvPr/>
-        </p:nvPicPr>
-        <p:blipFill>
-          <a:blip r:embed="rId3">
-            <a:extLst>
-              <a:ext uri="{28A0092B-C50C-407E-A947-70E740481C1C}">
-                <a14:useLocalDpi xmlns:a14="http://schemas.microsoft.com/office/drawing/2010/main" val="0"/>
-              </a:ext>
-            </a:extLst>
-          </a:blip>
-          <a:srcRect/>
-          <a:stretch>
-            <a:fillRect/>
-          </a:stretch>
-        </p:blipFill>
-        <p:spPr bwMode="auto">
-          <a:xfrm>
-            <a:off x="971838" y="4311650"/>
-            <a:ext cx="7791450" cy="2546350"/>
-          </a:xfrm>
-          <a:prstGeom prst="rect">
-            <a:avLst/>
-          </a:prstGeom>
-          <a:noFill/>
-          <a:ln>
-            <a:noFill/>
-          </a:ln>
-          <a:effectLst/>
-          <a:extLst>
-            <a:ext uri="{909E8E84-426E-40DD-AFC4-6F175D3DCCD1}">
-              <a14:hiddenFill xmlns:a14="http://schemas.microsoft.com/office/drawing/2010/main">
-                <a:solidFill>
-                  <a:schemeClr val="accent1"/>
-                </a:solidFill>
-              </a14:hiddenFill>
-            </a:ext>
-            <a:ext uri="{91240B29-F687-4F45-9708-019B960494DF}">
-              <a14:hiddenLine xmlns:a14="http://schemas.microsoft.com/office/drawing/2010/main" w="9525">
-                <a:solidFill>
-                  <a:schemeClr val="tx1"/>
-                </a:solidFill>
-                <a:miter lim="800000"/>
-                <a:headEnd/>
-                <a:tailEnd/>
-              </a14:hiddenLine>
-            </a:ext>
-            <a:ext uri="{AF507438-7753-43E0-B8FC-AC1667EBCBE1}">
-              <a14:hiddenEffects xmlns:a14="http://schemas.microsoft.com/office/drawing/2010/main">
-                <a:effectLst>
-                  <a:outerShdw dist="35921" dir="2700000" algn="ctr" rotWithShape="0">
-                    <a:schemeClr val="bg2"/>
-                  </a:outerShdw>
-                </a:effectLst>
-              </a14:hiddenEffects>
-            </a:ext>
-          </a:extLst>
-        </p:spPr>
-      </p:pic>
-    </p:spTree>
-    <p:extLst>
-      <p:ext uri="{BB962C8B-B14F-4D97-AF65-F5344CB8AC3E}">
-        <p14:creationId xmlns:p14="http://schemas.microsoft.com/office/powerpoint/2010/main" val="3677591439"/>
-      </p:ext>
-    </p:extLst>
-  </p:cSld>
-  <p:clrMapOvr>
-    <a:masterClrMapping/>
-  </p:clrMapOvr>
-  <p:timing>
-    <p:tnLst>
-      <p:par>
-        <p:cTn id="1" dur="indefinite" restart="never" nodeType="tmRoot"/>
-      </p:par>
-    </p:tnLst>
-  </p:timing>
 </p:sld>
 </file>
 

--- a/CAPACITACION WEB FV.pptx
+++ b/CAPACITACION WEB FV.pptx
@@ -121,7 +121,7 @@
   </p:defaultTextStyle>
   <p:extLst>
     <p:ext uri="{EFAFB233-063F-42B5-8137-9DF3F51BA10A}">
-      <p15:sldGuideLst xmlns:p15="http://schemas.microsoft.com/office/powerpoint/2012/main">
+      <p15:sldGuideLst xmlns:p15="http://schemas.microsoft.com/office/powerpoint/2012/main" xmlns="">
         <p15:guide id="1" orient="horz" pos="2160">
           <p15:clr>
             <a:srgbClr val="A4A3A4"/>
@@ -220,7 +220,7 @@
           <a:p>
             <a:fld id="{22C305BF-3C47-46BF-8FB7-1F322CC9A8C6}" type="datetimeFigureOut">
               <a:rPr lang="es-EC" smtClean="0"/>
-              <a:t>14/10/2018</a:t>
+              <a:t>19/10/2018</a:t>
             </a:fld>
             <a:endParaRPr lang="es-EC"/>
           </a:p>
@@ -379,7 +379,7 @@
           <a:p>
             <a:fld id="{AF34B137-3AA3-4526-87F1-C86AE912BD02}" type="slidenum">
               <a:rPr lang="es-EC" smtClean="0"/>
-              <a:t>‹#›</a:t>
+              <a:t>‹Nº›</a:t>
             </a:fld>
             <a:endParaRPr lang="es-EC"/>
           </a:p>
@@ -707,7 +707,7 @@
           <a:p>
             <a:fld id="{6DDB7E7C-AE19-4CAD-872A-C96A550A8BB1}" type="datetimeFigureOut">
               <a:rPr lang="es-EC" smtClean="0"/>
-              <a:t>14/10/2018</a:t>
+              <a:t>19/10/2018</a:t>
             </a:fld>
             <a:endParaRPr lang="es-EC"/>
           </a:p>
@@ -771,7 +771,7 @@
           <a:p>
             <a:fld id="{E57FAF9D-CD1B-47C5-96B8-A3C678550043}" type="slidenum">
               <a:rPr lang="es-EC" smtClean="0"/>
-              <a:t>‹#›</a:t>
+              <a:t>‹Nº›</a:t>
             </a:fld>
             <a:endParaRPr lang="es-EC"/>
           </a:p>
@@ -894,7 +894,7 @@
           <a:p>
             <a:fld id="{6DDB7E7C-AE19-4CAD-872A-C96A550A8BB1}" type="datetimeFigureOut">
               <a:rPr lang="es-EC" smtClean="0"/>
-              <a:t>14/10/2018</a:t>
+              <a:t>19/10/2018</a:t>
             </a:fld>
             <a:endParaRPr lang="es-EC"/>
           </a:p>
@@ -936,7 +936,7 @@
           <a:p>
             <a:fld id="{E57FAF9D-CD1B-47C5-96B8-A3C678550043}" type="slidenum">
               <a:rPr lang="es-EC" smtClean="0"/>
-              <a:t>‹#›</a:t>
+              <a:t>‹Nº›</a:t>
             </a:fld>
             <a:endParaRPr lang="es-EC"/>
           </a:p>
@@ -1069,7 +1069,7 @@
           <a:p>
             <a:fld id="{6DDB7E7C-AE19-4CAD-872A-C96A550A8BB1}" type="datetimeFigureOut">
               <a:rPr lang="es-EC" smtClean="0"/>
-              <a:t>14/10/2018</a:t>
+              <a:t>19/10/2018</a:t>
             </a:fld>
             <a:endParaRPr lang="es-EC"/>
           </a:p>
@@ -1111,7 +1111,7 @@
           <a:p>
             <a:fld id="{E57FAF9D-CD1B-47C5-96B8-A3C678550043}" type="slidenum">
               <a:rPr lang="es-EC" smtClean="0"/>
-              <a:t>‹#›</a:t>
+              <a:t>‹Nº›</a:t>
             </a:fld>
             <a:endParaRPr lang="es-EC"/>
           </a:p>
@@ -1249,7 +1249,7 @@
           <a:p>
             <a:fld id="{6DDB7E7C-AE19-4CAD-872A-C96A550A8BB1}" type="datetimeFigureOut">
               <a:rPr lang="es-EC" smtClean="0"/>
-              <a:t>14/10/2018</a:t>
+              <a:t>19/10/2018</a:t>
             </a:fld>
             <a:endParaRPr lang="es-EC"/>
           </a:p>
@@ -1296,7 +1296,7 @@
           <a:p>
             <a:fld id="{E57FAF9D-CD1B-47C5-96B8-A3C678550043}" type="slidenum">
               <a:rPr lang="es-EC" smtClean="0"/>
-              <a:t>‹#›</a:t>
+              <a:t>‹Nº›</a:t>
             </a:fld>
             <a:endParaRPr lang="es-EC"/>
           </a:p>
@@ -1496,7 +1496,7 @@
           <a:p>
             <a:fld id="{6DDB7E7C-AE19-4CAD-872A-C96A550A8BB1}" type="datetimeFigureOut">
               <a:rPr lang="es-EC" smtClean="0"/>
-              <a:t>14/10/2018</a:t>
+              <a:t>19/10/2018</a:t>
             </a:fld>
             <a:endParaRPr lang="es-EC"/>
           </a:p>
@@ -1548,7 +1548,7 @@
           <a:p>
             <a:fld id="{E57FAF9D-CD1B-47C5-96B8-A3C678550043}" type="slidenum">
               <a:rPr lang="es-EC" smtClean="0"/>
-              <a:t>‹#›</a:t>
+              <a:t>‹Nº›</a:t>
             </a:fld>
             <a:endParaRPr lang="es-EC"/>
           </a:p>
@@ -1970,7 +1970,7 @@
           <a:p>
             <a:fld id="{6DDB7E7C-AE19-4CAD-872A-C96A550A8BB1}" type="datetimeFigureOut">
               <a:rPr lang="es-EC" smtClean="0"/>
-              <a:t>14/10/2018</a:t>
+              <a:t>19/10/2018</a:t>
             </a:fld>
             <a:endParaRPr lang="es-EC"/>
           </a:p>
@@ -2022,7 +2022,7 @@
           <a:p>
             <a:fld id="{E57FAF9D-CD1B-47C5-96B8-A3C678550043}" type="slidenum">
               <a:rPr lang="es-EC" smtClean="0"/>
-              <a:t>‹#›</a:t>
+              <a:t>‹Nº›</a:t>
             </a:fld>
             <a:endParaRPr lang="es-EC"/>
           </a:p>
@@ -2385,7 +2385,7 @@
           <a:p>
             <a:fld id="{6DDB7E7C-AE19-4CAD-872A-C96A550A8BB1}" type="datetimeFigureOut">
               <a:rPr lang="es-EC" smtClean="0"/>
-              <a:t>14/10/2018</a:t>
+              <a:t>19/10/2018</a:t>
             </a:fld>
             <a:endParaRPr lang="es-EC"/>
           </a:p>
@@ -2441,7 +2441,7 @@
           <a:p>
             <a:fld id="{E57FAF9D-CD1B-47C5-96B8-A3C678550043}" type="slidenum">
               <a:rPr lang="es-EC" smtClean="0"/>
-              <a:t>‹#›</a:t>
+              <a:t>‹Nº›</a:t>
             </a:fld>
             <a:endParaRPr lang="es-EC"/>
           </a:p>
@@ -2516,7 +2516,7 @@
           <a:p>
             <a:fld id="{6DDB7E7C-AE19-4CAD-872A-C96A550A8BB1}" type="datetimeFigureOut">
               <a:rPr lang="es-EC" smtClean="0"/>
-              <a:t>14/10/2018</a:t>
+              <a:t>19/10/2018</a:t>
             </a:fld>
             <a:endParaRPr lang="es-EC"/>
           </a:p>
@@ -2558,7 +2558,7 @@
           <a:p>
             <a:fld id="{E57FAF9D-CD1B-47C5-96B8-A3C678550043}" type="slidenum">
               <a:rPr lang="es-EC" smtClean="0"/>
-              <a:t>‹#›</a:t>
+              <a:t>‹Nº›</a:t>
             </a:fld>
             <a:endParaRPr lang="es-EC"/>
           </a:p>
@@ -2611,7 +2611,7 @@
           <a:p>
             <a:fld id="{6DDB7E7C-AE19-4CAD-872A-C96A550A8BB1}" type="datetimeFigureOut">
               <a:rPr lang="es-EC" smtClean="0"/>
-              <a:t>14/10/2018</a:t>
+              <a:t>19/10/2018</a:t>
             </a:fld>
             <a:endParaRPr lang="es-EC"/>
           </a:p>
@@ -2663,7 +2663,7 @@
           <a:p>
             <a:fld id="{E57FAF9D-CD1B-47C5-96B8-A3C678550043}" type="slidenum">
               <a:rPr lang="es-EC" smtClean="0"/>
-              <a:t>‹#›</a:t>
+              <a:t>‹Nº›</a:t>
             </a:fld>
             <a:endParaRPr lang="es-EC"/>
           </a:p>
@@ -2889,7 +2889,7 @@
           <a:p>
             <a:fld id="{6DDB7E7C-AE19-4CAD-872A-C96A550A8BB1}" type="datetimeFigureOut">
               <a:rPr lang="es-EC" smtClean="0"/>
-              <a:t>14/10/2018</a:t>
+              <a:t>19/10/2018</a:t>
             </a:fld>
             <a:endParaRPr lang="es-EC"/>
           </a:p>
@@ -2949,7 +2949,7 @@
           <a:p>
             <a:fld id="{E57FAF9D-CD1B-47C5-96B8-A3C678550043}" type="slidenum">
               <a:rPr lang="es-EC" smtClean="0"/>
-              <a:t>‹#›</a:t>
+              <a:t>‹Nº›</a:t>
             </a:fld>
             <a:endParaRPr lang="es-EC"/>
           </a:p>
@@ -3141,7 +3141,7 @@
           <a:p>
             <a:fld id="{6DDB7E7C-AE19-4CAD-872A-C96A550A8BB1}" type="datetimeFigureOut">
               <a:rPr lang="es-EC" smtClean="0"/>
-              <a:t>14/10/2018</a:t>
+              <a:t>19/10/2018</a:t>
             </a:fld>
             <a:endParaRPr lang="es-EC"/>
           </a:p>
@@ -3201,7 +3201,7 @@
           <a:p>
             <a:fld id="{E57FAF9D-CD1B-47C5-96B8-A3C678550043}" type="slidenum">
               <a:rPr lang="es-EC" smtClean="0"/>
-              <a:t>‹#›</a:t>
+              <a:t>‹Nº›</a:t>
             </a:fld>
             <a:endParaRPr lang="es-EC"/>
           </a:p>
@@ -3513,7 +3513,7 @@
           <a:p>
             <a:fld id="{6DDB7E7C-AE19-4CAD-872A-C96A550A8BB1}" type="datetimeFigureOut">
               <a:rPr lang="es-EC" smtClean="0"/>
-              <a:t>14/10/2018</a:t>
+              <a:t>19/10/2018</a:t>
             </a:fld>
             <a:endParaRPr lang="es-EC"/>
           </a:p>
@@ -3587,7 +3587,7 @@
           <a:p>
             <a:fld id="{E57FAF9D-CD1B-47C5-96B8-A3C678550043}" type="slidenum">
               <a:rPr lang="es-EC" smtClean="0"/>
-              <a:t>‹#›</a:t>
+              <a:t>‹Nº›</a:t>
             </a:fld>
             <a:endParaRPr lang="es-EC"/>
           </a:p>
@@ -4197,6 +4197,13 @@
   <p:clrMapOvr>
     <a:masterClrMapping/>
   </p:clrMapOvr>
+  <p:timing>
+    <p:tnLst>
+      <p:par>
+        <p:cTn id="1" dur="indefinite" restart="never" nodeType="tmRoot"/>
+      </p:par>
+    </p:tnLst>
+  </p:timing>
 </p:sld>
 </file>
 
@@ -4352,6 +4359,13 @@
   <p:clrMapOvr>
     <a:masterClrMapping/>
   </p:clrMapOvr>
+  <p:timing>
+    <p:tnLst>
+      <p:par>
+        <p:cTn id="1" dur="indefinite" restart="never" nodeType="tmRoot"/>
+      </p:par>
+    </p:tnLst>
+  </p:timing>
 </p:sld>
 </file>
 
@@ -4473,68 +4487,6 @@
             <a:r>
               <a:rPr lang="es-EC" dirty="0"/>
               <a:t>REBASE</a:t>
-            </a:r>
-          </a:p>
-        </p:txBody>
-      </p:sp>
-      <p:sp>
-        <p:nvSpPr>
-          <p:cNvPr id="4" name="1 Título"/>
-          <p:cNvSpPr txBox="1">
-            <a:spLocks/>
-          </p:cNvSpPr>
-          <p:nvPr/>
-        </p:nvSpPr>
-        <p:spPr>
-          <a:xfrm>
-            <a:off x="457200" y="548680"/>
-            <a:ext cx="8229600" cy="1117846"/>
-          </a:xfrm>
-          <a:prstGeom prst="rect">
-            <a:avLst/>
-          </a:prstGeom>
-        </p:spPr>
-        <p:txBody>
-          <a:bodyPr vert="horz" anchor="ctr">
-            <a:normAutofit/>
-          </a:bodyPr>
-          <a:lstStyle>
-            <a:lvl1pPr marL="484632" algn="l" rtl="0" eaLnBrk="1" latinLnBrk="0" hangingPunct="1">
-              <a:spcBef>
-                <a:spcPct val="0"/>
-              </a:spcBef>
-              <a:buNone/>
-              <a:defRPr kumimoji="0" sz="4200" kern="1200">
-                <a:ln w="6350">
-                  <a:solidFill>
-                    <a:schemeClr val="accent1">
-                      <a:shade val="43000"/>
-                    </a:schemeClr>
-                  </a:solidFill>
-                </a:ln>
-                <a:solidFill>
-                  <a:schemeClr val="accent1">
-                    <a:tint val="83000"/>
-                    <a:satMod val="150000"/>
-                  </a:schemeClr>
-                </a:solidFill>
-                <a:effectLst>
-                  <a:outerShdw blurRad="26000" dist="26000" dir="14500000" algn="tl" rotWithShape="0">
-                    <a:srgbClr val="000000">
-                      <a:alpha val="40000"/>
-                    </a:srgbClr>
-                  </a:outerShdw>
-                </a:effectLst>
-                <a:latin typeface="+mj-lt"/>
-                <a:ea typeface="+mj-ea"/>
-                <a:cs typeface="+mj-cs"/>
-              </a:defRPr>
-            </a:lvl1pPr>
-          </a:lstStyle>
-          <a:p>
-            <a:r>
-              <a:rPr lang="es-EC" dirty="0"/>
-              <a:t>1.1 GIT</a:t>
             </a:r>
           </a:p>
         </p:txBody>
@@ -4880,6 +4832,13 @@
   <p:clrMapOvr>
     <a:masterClrMapping/>
   </p:clrMapOvr>
+  <p:timing>
+    <p:tnLst>
+      <p:par>
+        <p:cTn id="1" dur="indefinite" restart="never" nodeType="tmRoot"/>
+      </p:par>
+    </p:tnLst>
+  </p:timing>
 </p:sld>
 </file>
 
@@ -4980,6 +4939,13 @@
   <p:clrMapOvr>
     <a:masterClrMapping/>
   </p:clrMapOvr>
+  <p:timing>
+    <p:tnLst>
+      <p:par>
+        <p:cTn id="1" dur="indefinite" restart="never" nodeType="tmRoot"/>
+      </p:par>
+    </p:tnLst>
+  </p:timing>
 </p:sld>
 </file>
 
@@ -6898,7 +6864,7 @@
           <p:cNvPr id="2" name="Title 1">
             <a:extLst>
               <a:ext uri="{FF2B5EF4-FFF2-40B4-BE49-F238E27FC236}">
-                <a16:creationId xmlns:a16="http://schemas.microsoft.com/office/drawing/2014/main" id="{9E07F87C-EF91-42B3-AF12-7736B2F9D604}"/>
+                <a16:creationId xmlns:a16="http://schemas.microsoft.com/office/drawing/2014/main" xmlns="" id="{9E07F87C-EF91-42B3-AF12-7736B2F9D604}"/>
               </a:ext>
             </a:extLst>
           </p:cNvPr>
@@ -6926,7 +6892,7 @@
           <p:cNvPr id="3" name="Content Placeholder 2">
             <a:extLst>
               <a:ext uri="{FF2B5EF4-FFF2-40B4-BE49-F238E27FC236}">
-                <a16:creationId xmlns:a16="http://schemas.microsoft.com/office/drawing/2014/main" id="{CA1EBF06-6A8A-4804-959C-704C47AAF032}"/>
+                <a16:creationId xmlns:a16="http://schemas.microsoft.com/office/drawing/2014/main" xmlns="" id="{CA1EBF06-6A8A-4804-959C-704C47AAF032}"/>
               </a:ext>
             </a:extLst>
           </p:cNvPr>
@@ -6962,7 +6928,7 @@
           <p:cNvPr id="6" name="Picture 5">
             <a:extLst>
               <a:ext uri="{FF2B5EF4-FFF2-40B4-BE49-F238E27FC236}">
-                <a16:creationId xmlns:a16="http://schemas.microsoft.com/office/drawing/2014/main" id="{065B9B82-6503-4139-B5A9-32E0471B2FA4}"/>
+                <a16:creationId xmlns:a16="http://schemas.microsoft.com/office/drawing/2014/main" xmlns="" id="{065B9B82-6503-4139-B5A9-32E0471B2FA4}"/>
               </a:ext>
             </a:extLst>
           </p:cNvPr>
@@ -6992,7 +6958,7 @@
           <p:cNvPr id="7" name="TextBox 6">
             <a:extLst>
               <a:ext uri="{FF2B5EF4-FFF2-40B4-BE49-F238E27FC236}">
-                <a16:creationId xmlns:a16="http://schemas.microsoft.com/office/drawing/2014/main" id="{22537B7D-E8E6-4382-AFA5-4046EE18B9F8}"/>
+                <a16:creationId xmlns:a16="http://schemas.microsoft.com/office/drawing/2014/main" xmlns="" id="{22537B7D-E8E6-4382-AFA5-4046EE18B9F8}"/>
               </a:ext>
             </a:extLst>
           </p:cNvPr>
